--- a/Deck.pptx
+++ b/Deck.pptx
@@ -2,16 +2,19 @@
 <file path=ppt/presentation.xml><?xml version="1.0" encoding="utf-8"?>
 <p:presentation xmlns:a="http://schemas.openxmlformats.org/drawingml/2006/main" xmlns:r="http://schemas.openxmlformats.org/officeDocument/2006/relationships" xmlns:p="http://schemas.openxmlformats.org/presentationml/2006/main" saveSubsetFonts="1">
   <p:sldMasterIdLst>
-    <p:sldMasterId id="2147483648" r:id="rId1"/>
+    <p:sldMasterId id="2147483660" r:id="rId1"/>
   </p:sldMasterIdLst>
   <p:sldIdLst>
     <p:sldId id="256" r:id="rId2"/>
-    <p:sldId id="257" r:id="rId3"/>
-    <p:sldId id="258" r:id="rId4"/>
-    <p:sldId id="259" r:id="rId5"/>
-    <p:sldId id="262" r:id="rId6"/>
-    <p:sldId id="260" r:id="rId7"/>
-    <p:sldId id="261" r:id="rId8"/>
+    <p:sldId id="263" r:id="rId3"/>
+    <p:sldId id="264" r:id="rId4"/>
+    <p:sldId id="265" r:id="rId5"/>
+    <p:sldId id="257" r:id="rId6"/>
+    <p:sldId id="258" r:id="rId7"/>
+    <p:sldId id="259" r:id="rId8"/>
+    <p:sldId id="262" r:id="rId9"/>
+    <p:sldId id="260" r:id="rId10"/>
+    <p:sldId id="261" r:id="rId11"/>
   </p:sldIdLst>
   <p:sldSz cx="12192000" cy="6858000"/>
   <p:notesSz cx="6858000" cy="9144000"/>
@@ -19,7 +22,7 @@
     <a:defPPr>
       <a:defRPr lang="en-US"/>
     </a:defPPr>
-    <a:lvl1pPr marL="0" algn="l" defTabSz="914400" rtl="0" eaLnBrk="1" latinLnBrk="0" hangingPunct="1">
+    <a:lvl1pPr marL="0" algn="l" defTabSz="457200" rtl="0" eaLnBrk="1" latinLnBrk="0" hangingPunct="1">
       <a:defRPr sz="1800" kern="1200">
         <a:solidFill>
           <a:schemeClr val="tx1"/>
@@ -29,7 +32,7 @@
         <a:cs typeface="+mn-cs"/>
       </a:defRPr>
     </a:lvl1pPr>
-    <a:lvl2pPr marL="457200" algn="l" defTabSz="914400" rtl="0" eaLnBrk="1" latinLnBrk="0" hangingPunct="1">
+    <a:lvl2pPr marL="457200" algn="l" defTabSz="457200" rtl="0" eaLnBrk="1" latinLnBrk="0" hangingPunct="1">
       <a:defRPr sz="1800" kern="1200">
         <a:solidFill>
           <a:schemeClr val="tx1"/>
@@ -39,7 +42,7 @@
         <a:cs typeface="+mn-cs"/>
       </a:defRPr>
     </a:lvl2pPr>
-    <a:lvl3pPr marL="914400" algn="l" defTabSz="914400" rtl="0" eaLnBrk="1" latinLnBrk="0" hangingPunct="1">
+    <a:lvl3pPr marL="914400" algn="l" defTabSz="457200" rtl="0" eaLnBrk="1" latinLnBrk="0" hangingPunct="1">
       <a:defRPr sz="1800" kern="1200">
         <a:solidFill>
           <a:schemeClr val="tx1"/>
@@ -49,7 +52,7 @@
         <a:cs typeface="+mn-cs"/>
       </a:defRPr>
     </a:lvl3pPr>
-    <a:lvl4pPr marL="1371600" algn="l" defTabSz="914400" rtl="0" eaLnBrk="1" latinLnBrk="0" hangingPunct="1">
+    <a:lvl4pPr marL="1371600" algn="l" defTabSz="457200" rtl="0" eaLnBrk="1" latinLnBrk="0" hangingPunct="1">
       <a:defRPr sz="1800" kern="1200">
         <a:solidFill>
           <a:schemeClr val="tx1"/>
@@ -59,7 +62,7 @@
         <a:cs typeface="+mn-cs"/>
       </a:defRPr>
     </a:lvl4pPr>
-    <a:lvl5pPr marL="1828800" algn="l" defTabSz="914400" rtl="0" eaLnBrk="1" latinLnBrk="0" hangingPunct="1">
+    <a:lvl5pPr marL="1828800" algn="l" defTabSz="457200" rtl="0" eaLnBrk="1" latinLnBrk="0" hangingPunct="1">
       <a:defRPr sz="1800" kern="1200">
         <a:solidFill>
           <a:schemeClr val="tx1"/>
@@ -69,7 +72,7 @@
         <a:cs typeface="+mn-cs"/>
       </a:defRPr>
     </a:lvl5pPr>
-    <a:lvl6pPr marL="2286000" algn="l" defTabSz="914400" rtl="0" eaLnBrk="1" latinLnBrk="0" hangingPunct="1">
+    <a:lvl6pPr marL="2286000" algn="l" defTabSz="457200" rtl="0" eaLnBrk="1" latinLnBrk="0" hangingPunct="1">
       <a:defRPr sz="1800" kern="1200">
         <a:solidFill>
           <a:schemeClr val="tx1"/>
@@ -79,7 +82,7 @@
         <a:cs typeface="+mn-cs"/>
       </a:defRPr>
     </a:lvl6pPr>
-    <a:lvl7pPr marL="2743200" algn="l" defTabSz="914400" rtl="0" eaLnBrk="1" latinLnBrk="0" hangingPunct="1">
+    <a:lvl7pPr marL="2743200" algn="l" defTabSz="457200" rtl="0" eaLnBrk="1" latinLnBrk="0" hangingPunct="1">
       <a:defRPr sz="1800" kern="1200">
         <a:solidFill>
           <a:schemeClr val="tx1"/>
@@ -89,7 +92,7 @@
         <a:cs typeface="+mn-cs"/>
       </a:defRPr>
     </a:lvl7pPr>
-    <a:lvl8pPr marL="3200400" algn="l" defTabSz="914400" rtl="0" eaLnBrk="1" latinLnBrk="0" hangingPunct="1">
+    <a:lvl8pPr marL="3200400" algn="l" defTabSz="457200" rtl="0" eaLnBrk="1" latinLnBrk="0" hangingPunct="1">
       <a:defRPr sz="1800" kern="1200">
         <a:solidFill>
           <a:schemeClr val="tx1"/>
@@ -99,7 +102,7 @@
         <a:cs typeface="+mn-cs"/>
       </a:defRPr>
     </a:lvl8pPr>
-    <a:lvl9pPr marL="3657600" algn="l" defTabSz="914400" rtl="0" eaLnBrk="1" latinLnBrk="0" hangingPunct="1">
+    <a:lvl9pPr marL="3657600" algn="l" defTabSz="457200" rtl="0" eaLnBrk="1" latinLnBrk="0" hangingPunct="1">
       <a:defRPr sz="1800" kern="1200">
         <a:solidFill>
           <a:schemeClr val="tx1"/>
@@ -110,12 +113,25 @@
       </a:defRPr>
     </a:lvl9pPr>
   </p:defaultTextStyle>
+  <p:extLst>
+    <p:ext uri="{EFAFB233-063F-42B5-8137-9DF3F51BA10A}">
+      <p15:sldGuideLst xmlns:p15="http://schemas.microsoft.com/office/powerpoint/2012/main"/>
+    </p:ext>
+  </p:extLst>
 </p:presentation>
 </file>
 
 <file path=ppt/slideLayouts/slideLayout1.xml><?xml version="1.0" encoding="utf-8"?>
-<p:sldLayout xmlns:a="http://schemas.openxmlformats.org/drawingml/2006/main" xmlns:r="http://schemas.openxmlformats.org/officeDocument/2006/relationships" xmlns:p="http://schemas.openxmlformats.org/presentationml/2006/main" type="title" preserve="1">
+<p:sldLayout xmlns:a="http://schemas.openxmlformats.org/drawingml/2006/main" xmlns:r="http://schemas.openxmlformats.org/officeDocument/2006/relationships" xmlns:p="http://schemas.openxmlformats.org/presentationml/2006/main" showMasterSp="0" type="title" preserve="1">
   <p:cSld name="Title Slide">
+    <p:bg>
+      <p:bgPr>
+        <a:solidFill>
+          <a:schemeClr val="bg2"/>
+        </a:solidFill>
+        <a:effectLst/>
+      </p:bgPr>
+    </p:bg>
     <p:spTree>
       <p:nvGrpSpPr>
         <p:cNvPr id="1" name=""/>
@@ -132,13 +148,7 @@
       </p:grpSpPr>
       <p:sp>
         <p:nvSpPr>
-          <p:cNvPr id="2" name="Title 1">
-            <a:extLst>
-              <a:ext uri="{FF2B5EF4-FFF2-40B4-BE49-F238E27FC236}">
-                <a16:creationId xmlns:a16="http://schemas.microsoft.com/office/drawing/2014/main" id="{0061039C-C514-4B57-8397-8301E8A406A0}"/>
-              </a:ext>
-            </a:extLst>
-          </p:cNvPr>
+          <p:cNvPr id="2" name="Title 1"/>
           <p:cNvSpPr>
             <a:spLocks noGrp="1"/>
           </p:cNvSpPr>
@@ -148,15 +158,21 @@
         </p:nvSpPr>
         <p:spPr>
           <a:xfrm>
-            <a:off x="1524000" y="1122363"/>
-            <a:ext cx="9144000" cy="2387600"/>
+            <a:off x="1915128" y="1788454"/>
+            <a:ext cx="8361229" cy="2098226"/>
           </a:xfrm>
         </p:spPr>
         <p:txBody>
-          <a:bodyPr anchor="b"/>
+          <a:bodyPr anchor="b">
+            <a:noAutofit/>
+          </a:bodyPr>
           <a:lstStyle>
             <a:lvl1pPr algn="ctr">
-              <a:defRPr sz="6000"/>
+              <a:defRPr sz="7200" cap="all" baseline="0">
+                <a:solidFill>
+                  <a:schemeClr val="tx2"/>
+                </a:solidFill>
+              </a:defRPr>
             </a:lvl1pPr>
           </a:lstStyle>
           <a:p>
@@ -164,19 +180,13 @@
               <a:rPr lang="en-US"/>
               <a:t>Click to edit Master title style</a:t>
             </a:r>
-            <a:endParaRPr lang="en-SG"/>
-          </a:p>
-        </p:txBody>
-      </p:sp>
-      <p:sp>
-        <p:nvSpPr>
-          <p:cNvPr id="3" name="Subtitle 2">
-            <a:extLst>
-              <a:ext uri="{FF2B5EF4-FFF2-40B4-BE49-F238E27FC236}">
-                <a16:creationId xmlns:a16="http://schemas.microsoft.com/office/drawing/2014/main" id="{12B6D28B-52C1-46DA-8E08-A342DA198FC3}"/>
-              </a:ext>
-            </a:extLst>
-          </p:cNvPr>
+            <a:endParaRPr lang="en-US" dirty="0"/>
+          </a:p>
+        </p:txBody>
+      </p:sp>
+      <p:sp>
+        <p:nvSpPr>
+          <p:cNvPr id="3" name="Subtitle 2"/>
           <p:cNvSpPr>
             <a:spLocks noGrp="1"/>
           </p:cNvSpPr>
@@ -186,16 +196,27 @@
         </p:nvSpPr>
         <p:spPr>
           <a:xfrm>
-            <a:off x="1524000" y="3602038"/>
-            <a:ext cx="9144000" cy="1655762"/>
+            <a:off x="2679906" y="3956279"/>
+            <a:ext cx="6831673" cy="1086237"/>
           </a:xfrm>
         </p:spPr>
         <p:txBody>
-          <a:bodyPr/>
+          <a:bodyPr>
+            <a:normAutofit/>
+          </a:bodyPr>
           <a:lstStyle>
             <a:lvl1pPr marL="0" indent="0" algn="ctr">
-              <a:buNone/>
-              <a:defRPr sz="2400"/>
+              <a:lnSpc>
+                <a:spcPct val="112000"/>
+              </a:lnSpc>
+              <a:spcBef>
+                <a:spcPts val="0"/>
+              </a:spcBef>
+              <a:spcAft>
+                <a:spcPts val="0"/>
+              </a:spcAft>
+              <a:buNone/>
+              <a:defRPr sz="2300"/>
             </a:lvl1pPr>
             <a:lvl2pPr marL="457200" indent="0" algn="ctr">
               <a:buNone/>
@@ -235,19 +256,13 @@
               <a:rPr lang="en-US"/>
               <a:t>Click to edit Master subtitle style</a:t>
             </a:r>
-            <a:endParaRPr lang="en-SG"/>
-          </a:p>
-        </p:txBody>
-      </p:sp>
-      <p:sp>
-        <p:nvSpPr>
-          <p:cNvPr id="4" name="Date Placeholder 3">
-            <a:extLst>
-              <a:ext uri="{FF2B5EF4-FFF2-40B4-BE49-F238E27FC236}">
-                <a16:creationId xmlns:a16="http://schemas.microsoft.com/office/drawing/2014/main" id="{23F0CDD5-67C9-4691-9C8C-6F35C4943FA7}"/>
-              </a:ext>
-            </a:extLst>
-          </p:cNvPr>
+            <a:endParaRPr lang="en-US" dirty="0"/>
+          </a:p>
+        </p:txBody>
+      </p:sp>
+      <p:sp>
+        <p:nvSpPr>
+          <p:cNvPr id="4" name="Date Placeholder 3"/>
           <p:cNvSpPr>
             <a:spLocks noGrp="1"/>
           </p:cNvSpPr>
@@ -255,10 +270,23 @@
             <p:ph type="dt" sz="half" idx="10"/>
           </p:nvPr>
         </p:nvSpPr>
-        <p:spPr/>
-        <p:txBody>
-          <a:bodyPr/>
-          <a:lstStyle/>
+        <p:spPr>
+          <a:xfrm>
+            <a:off x="752858" y="6453386"/>
+            <a:ext cx="1607944" cy="404614"/>
+          </a:xfrm>
+        </p:spPr>
+        <p:txBody>
+          <a:bodyPr/>
+          <a:lstStyle>
+            <a:lvl1pPr>
+              <a:defRPr baseline="0">
+                <a:solidFill>
+                  <a:schemeClr val="tx2"/>
+                </a:solidFill>
+              </a:defRPr>
+            </a:lvl1pPr>
+          </a:lstStyle>
           <a:p>
             <a:fld id="{CB7F89C8-3D12-43AC-9B8D-BAAB3C769E52}" type="datetimeFigureOut">
               <a:rPr lang="en-SG" smtClean="0"/>
@@ -270,13 +298,7 @@
       </p:sp>
       <p:sp>
         <p:nvSpPr>
-          <p:cNvPr id="5" name="Footer Placeholder 4">
-            <a:extLst>
-              <a:ext uri="{FF2B5EF4-FFF2-40B4-BE49-F238E27FC236}">
-                <a16:creationId xmlns:a16="http://schemas.microsoft.com/office/drawing/2014/main" id="{8E6E8B5F-C1DC-43F3-B339-E048C6423990}"/>
-              </a:ext>
-            </a:extLst>
-          </p:cNvPr>
+          <p:cNvPr id="5" name="Footer Placeholder 4"/>
           <p:cNvSpPr>
             <a:spLocks noGrp="1"/>
           </p:cNvSpPr>
@@ -284,10 +306,23 @@
             <p:ph type="ftr" sz="quarter" idx="11"/>
           </p:nvPr>
         </p:nvSpPr>
-        <p:spPr/>
-        <p:txBody>
-          <a:bodyPr/>
-          <a:lstStyle/>
+        <p:spPr>
+          <a:xfrm>
+            <a:off x="2584054" y="6453386"/>
+            <a:ext cx="7023377" cy="404614"/>
+          </a:xfrm>
+        </p:spPr>
+        <p:txBody>
+          <a:bodyPr/>
+          <a:lstStyle>
+            <a:lvl1pPr algn="ctr">
+              <a:defRPr baseline="0">
+                <a:solidFill>
+                  <a:schemeClr val="tx2"/>
+                </a:solidFill>
+              </a:defRPr>
+            </a:lvl1pPr>
+          </a:lstStyle>
           <a:p>
             <a:endParaRPr lang="en-SG"/>
           </a:p>
@@ -295,13 +330,7 @@
       </p:sp>
       <p:sp>
         <p:nvSpPr>
-          <p:cNvPr id="6" name="Slide Number Placeholder 5">
-            <a:extLst>
-              <a:ext uri="{FF2B5EF4-FFF2-40B4-BE49-F238E27FC236}">
-                <a16:creationId xmlns:a16="http://schemas.microsoft.com/office/drawing/2014/main" id="{D9F30E47-A7FE-4941-8B3A-97F9C809DF4A}"/>
-              </a:ext>
-            </a:extLst>
-          </p:cNvPr>
+          <p:cNvPr id="6" name="Slide Number Placeholder 5"/>
           <p:cNvSpPr>
             <a:spLocks noGrp="1"/>
           </p:cNvSpPr>
@@ -309,10 +338,23 @@
             <p:ph type="sldNum" sz="quarter" idx="12"/>
           </p:nvPr>
         </p:nvSpPr>
-        <p:spPr/>
-        <p:txBody>
-          <a:bodyPr/>
-          <a:lstStyle/>
+        <p:spPr>
+          <a:xfrm>
+            <a:off x="9830683" y="6453386"/>
+            <a:ext cx="1596292" cy="404614"/>
+          </a:xfrm>
+        </p:spPr>
+        <p:txBody>
+          <a:bodyPr/>
+          <a:lstStyle>
+            <a:lvl1pPr>
+              <a:defRPr baseline="0">
+                <a:solidFill>
+                  <a:schemeClr val="tx2"/>
+                </a:solidFill>
+              </a:defRPr>
+            </a:lvl1pPr>
+          </a:lstStyle>
           <a:p>
             <a:fld id="{5426A309-49F9-4663-A47A-43B55757E10D}" type="slidenum">
               <a:rPr lang="en-SG" smtClean="0"/>
@@ -322,15 +364,144 @@
           </a:p>
         </p:txBody>
       </p:sp>
+      <p:grpSp>
+        <p:nvGrpSpPr>
+          <p:cNvPr id="7" name="Group 6"/>
+          <p:cNvGrpSpPr/>
+          <p:nvPr/>
+        </p:nvGrpSpPr>
+        <p:grpSpPr>
+          <a:xfrm>
+            <a:off x="752858" y="744469"/>
+            <a:ext cx="10674117" cy="5349671"/>
+            <a:chOff x="752858" y="744469"/>
+            <a:chExt cx="10674117" cy="5349671"/>
+          </a:xfrm>
+        </p:grpSpPr>
+        <p:sp>
+          <p:nvSpPr>
+            <p:cNvPr id="11" name="Freeform 6"/>
+            <p:cNvSpPr/>
+            <p:nvPr/>
+          </p:nvSpPr>
+          <p:spPr bwMode="auto">
+            <a:xfrm>
+              <a:off x="8151962" y="1685652"/>
+              <a:ext cx="3275013" cy="4408488"/>
+            </a:xfrm>
+            <a:custGeom>
+              <a:avLst/>
+              <a:gdLst/>
+              <a:ahLst/>
+              <a:cxnLst/>
+              <a:rect l="l" t="t" r="r" b="b"/>
+              <a:pathLst>
+                <a:path w="10000" h="10000">
+                  <a:moveTo>
+                    <a:pt x="8761" y="0"/>
+                  </a:moveTo>
+                  <a:lnTo>
+                    <a:pt x="10000" y="0"/>
+                  </a:lnTo>
+                  <a:lnTo>
+                    <a:pt x="10000" y="10000"/>
+                  </a:lnTo>
+                  <a:lnTo>
+                    <a:pt x="0" y="10000"/>
+                  </a:lnTo>
+                  <a:lnTo>
+                    <a:pt x="0" y="9126"/>
+                  </a:lnTo>
+                  <a:lnTo>
+                    <a:pt x="8761" y="9127"/>
+                  </a:lnTo>
+                  <a:lnTo>
+                    <a:pt x="8761" y="0"/>
+                  </a:lnTo>
+                  <a:close/>
+                </a:path>
+              </a:pathLst>
+            </a:custGeom>
+            <a:solidFill>
+              <a:schemeClr val="tx2"/>
+            </a:solidFill>
+            <a:ln w="0">
+              <a:noFill/>
+              <a:prstDash val="solid"/>
+              <a:round/>
+              <a:headEnd/>
+              <a:tailEnd/>
+            </a:ln>
+          </p:spPr>
+        </p:sp>
+        <p:sp>
+          <p:nvSpPr>
+            <p:cNvPr id="14" name="Freeform 6"/>
+            <p:cNvSpPr/>
+            <p:nvPr/>
+          </p:nvSpPr>
+          <p:spPr bwMode="auto">
+            <a:xfrm flipH="1" flipV="1">
+              <a:off x="752858" y="744469"/>
+              <a:ext cx="3275668" cy="4408488"/>
+            </a:xfrm>
+            <a:custGeom>
+              <a:avLst/>
+              <a:gdLst/>
+              <a:ahLst/>
+              <a:cxnLst/>
+              <a:rect l="l" t="t" r="r" b="b"/>
+              <a:pathLst>
+                <a:path w="10002" h="10000">
+                  <a:moveTo>
+                    <a:pt x="8763" y="0"/>
+                  </a:moveTo>
+                  <a:lnTo>
+                    <a:pt x="10002" y="0"/>
+                  </a:lnTo>
+                  <a:lnTo>
+                    <a:pt x="10002" y="10000"/>
+                  </a:lnTo>
+                  <a:lnTo>
+                    <a:pt x="2" y="10000"/>
+                  </a:lnTo>
+                  <a:cubicBezTo>
+                    <a:pt x="-2" y="9698"/>
+                    <a:pt x="4" y="9427"/>
+                    <a:pt x="0" y="9125"/>
+                  </a:cubicBezTo>
+                  <a:lnTo>
+                    <a:pt x="8763" y="9128"/>
+                  </a:lnTo>
+                  <a:lnTo>
+                    <a:pt x="8763" y="0"/>
+                  </a:lnTo>
+                  <a:close/>
+                </a:path>
+              </a:pathLst>
+            </a:custGeom>
+            <a:solidFill>
+              <a:schemeClr val="tx2"/>
+            </a:solidFill>
+            <a:ln w="0">
+              <a:noFill/>
+              <a:prstDash val="solid"/>
+              <a:round/>
+              <a:headEnd/>
+              <a:tailEnd/>
+            </a:ln>
+          </p:spPr>
+        </p:sp>
+      </p:grpSp>
     </p:spTree>
     <p:extLst>
       <p:ext uri="{BB962C8B-B14F-4D97-AF65-F5344CB8AC3E}">
-        <p14:creationId xmlns:p14="http://schemas.microsoft.com/office/powerpoint/2010/main" val="3351897169"/>
+        <p14:creationId xmlns:p14="http://schemas.microsoft.com/office/powerpoint/2010/main" val="3737285997"/>
       </p:ext>
     </p:extLst>
   </p:cSld>
   <p:clrMapOvr>
-    <a:masterClrMapping/>
+    <a:overrideClrMapping bg1="lt1" tx1="dk1" bg2="lt2" tx2="dk2" accent1="accent1" accent2="accent2" accent3="accent3" accent4="accent4" accent5="accent5" accent6="accent6" hlink="hlink" folHlink="folHlink"/>
   </p:clrMapOvr>
 </p:sldLayout>
 </file>
@@ -354,13 +525,7 @@
       </p:grpSpPr>
       <p:sp>
         <p:nvSpPr>
-          <p:cNvPr id="2" name="Title 1">
-            <a:extLst>
-              <a:ext uri="{FF2B5EF4-FFF2-40B4-BE49-F238E27FC236}">
-                <a16:creationId xmlns:a16="http://schemas.microsoft.com/office/drawing/2014/main" id="{2CE6A012-B73B-4B01-AB25-491F04B1232D}"/>
-              </a:ext>
-            </a:extLst>
-          </p:cNvPr>
+          <p:cNvPr id="2" name="Title 1"/>
           <p:cNvSpPr>
             <a:spLocks noGrp="1"/>
           </p:cNvSpPr>
@@ -377,19 +542,13 @@
               <a:rPr lang="en-US"/>
               <a:t>Click to edit Master title style</a:t>
             </a:r>
-            <a:endParaRPr lang="en-SG"/>
-          </a:p>
-        </p:txBody>
-      </p:sp>
-      <p:sp>
-        <p:nvSpPr>
-          <p:cNvPr id="3" name="Vertical Text Placeholder 2">
-            <a:extLst>
-              <a:ext uri="{FF2B5EF4-FFF2-40B4-BE49-F238E27FC236}">
-                <a16:creationId xmlns:a16="http://schemas.microsoft.com/office/drawing/2014/main" id="{97E1A445-823C-4380-AAAB-3CF6936002C8}"/>
-              </a:ext>
-            </a:extLst>
-          </p:cNvPr>
+            <a:endParaRPr lang="en-US" dirty="0"/>
+          </a:p>
+        </p:txBody>
+      </p:sp>
+      <p:sp>
+        <p:nvSpPr>
+          <p:cNvPr id="3" name="Vertical Text Placeholder 2"/>
           <p:cNvSpPr>
             <a:spLocks noGrp="1"/>
           </p:cNvSpPr>
@@ -397,7 +556,12 @@
             <p:ph type="body" orient="vert" idx="1"/>
           </p:nvPr>
         </p:nvSpPr>
-        <p:spPr/>
+        <p:spPr>
+          <a:xfrm>
+            <a:off x="1371600" y="2295525"/>
+            <a:ext cx="9601200" cy="3571875"/>
+          </a:xfrm>
+        </p:spPr>
         <p:txBody>
           <a:bodyPr vert="eaVert"/>
           <a:lstStyle/>
@@ -435,19 +599,13 @@
               <a:rPr lang="en-US"/>
               <a:t>Fifth level</a:t>
             </a:r>
-            <a:endParaRPr lang="en-SG"/>
-          </a:p>
-        </p:txBody>
-      </p:sp>
-      <p:sp>
-        <p:nvSpPr>
-          <p:cNvPr id="4" name="Date Placeholder 3">
-            <a:extLst>
-              <a:ext uri="{FF2B5EF4-FFF2-40B4-BE49-F238E27FC236}">
-                <a16:creationId xmlns:a16="http://schemas.microsoft.com/office/drawing/2014/main" id="{5B5B430F-540E-44F4-B086-0CAEB3AED711}"/>
-              </a:ext>
-            </a:extLst>
-          </p:cNvPr>
+            <a:endParaRPr lang="en-US" dirty="0"/>
+          </a:p>
+        </p:txBody>
+      </p:sp>
+      <p:sp>
+        <p:nvSpPr>
+          <p:cNvPr id="4" name="Date Placeholder 3"/>
           <p:cNvSpPr>
             <a:spLocks noGrp="1"/>
           </p:cNvSpPr>
@@ -470,13 +628,7 @@
       </p:sp>
       <p:sp>
         <p:nvSpPr>
-          <p:cNvPr id="5" name="Footer Placeholder 4">
-            <a:extLst>
-              <a:ext uri="{FF2B5EF4-FFF2-40B4-BE49-F238E27FC236}">
-                <a16:creationId xmlns:a16="http://schemas.microsoft.com/office/drawing/2014/main" id="{6754C7AC-3788-4411-90AC-3346B87F7294}"/>
-              </a:ext>
-            </a:extLst>
-          </p:cNvPr>
+          <p:cNvPr id="5" name="Footer Placeholder 4"/>
           <p:cNvSpPr>
             <a:spLocks noGrp="1"/>
           </p:cNvSpPr>
@@ -495,13 +647,7 @@
       </p:sp>
       <p:sp>
         <p:nvSpPr>
-          <p:cNvPr id="6" name="Slide Number Placeholder 5">
-            <a:extLst>
-              <a:ext uri="{FF2B5EF4-FFF2-40B4-BE49-F238E27FC236}">
-                <a16:creationId xmlns:a16="http://schemas.microsoft.com/office/drawing/2014/main" id="{7F636E91-78F4-4F99-9A1D-76AF718D7542}"/>
-              </a:ext>
-            </a:extLst>
-          </p:cNvPr>
+          <p:cNvPr id="6" name="Slide Number Placeholder 5"/>
           <p:cNvSpPr>
             <a:spLocks noGrp="1"/>
           </p:cNvSpPr>
@@ -525,7 +671,7 @@
     </p:spTree>
     <p:extLst>
       <p:ext uri="{BB962C8B-B14F-4D97-AF65-F5344CB8AC3E}">
-        <p14:creationId xmlns:p14="http://schemas.microsoft.com/office/powerpoint/2010/main" val="1281365433"/>
+        <p14:creationId xmlns:p14="http://schemas.microsoft.com/office/powerpoint/2010/main" val="3328808652"/>
       </p:ext>
     </p:extLst>
   </p:cSld>
@@ -554,13 +700,7 @@
       </p:grpSpPr>
       <p:sp>
         <p:nvSpPr>
-          <p:cNvPr id="2" name="Vertical Title 1">
-            <a:extLst>
-              <a:ext uri="{FF2B5EF4-FFF2-40B4-BE49-F238E27FC236}">
-                <a16:creationId xmlns:a16="http://schemas.microsoft.com/office/drawing/2014/main" id="{49C62995-12E5-4382-8312-CFB0D35F6E9E}"/>
-              </a:ext>
-            </a:extLst>
-          </p:cNvPr>
+          <p:cNvPr id="2" name="Vertical Title 1"/>
           <p:cNvSpPr>
             <a:spLocks noGrp="1"/>
           </p:cNvSpPr>
@@ -570,8 +710,8 @@
         </p:nvSpPr>
         <p:spPr>
           <a:xfrm>
-            <a:off x="8724900" y="365125"/>
-            <a:ext cx="2628900" cy="5811838"/>
+            <a:off x="9596561" y="624156"/>
+            <a:ext cx="1565766" cy="5243244"/>
           </a:xfrm>
         </p:spPr>
         <p:txBody>
@@ -582,19 +722,13 @@
               <a:rPr lang="en-US"/>
               <a:t>Click to edit Master title style</a:t>
             </a:r>
-            <a:endParaRPr lang="en-SG"/>
-          </a:p>
-        </p:txBody>
-      </p:sp>
-      <p:sp>
-        <p:nvSpPr>
-          <p:cNvPr id="3" name="Vertical Text Placeholder 2">
-            <a:extLst>
-              <a:ext uri="{FF2B5EF4-FFF2-40B4-BE49-F238E27FC236}">
-                <a16:creationId xmlns:a16="http://schemas.microsoft.com/office/drawing/2014/main" id="{FECEF10C-93E7-4A22-9220-CC8C24334AE1}"/>
-              </a:ext>
-            </a:extLst>
-          </p:cNvPr>
+            <a:endParaRPr lang="en-US" dirty="0"/>
+          </a:p>
+        </p:txBody>
+      </p:sp>
+      <p:sp>
+        <p:nvSpPr>
+          <p:cNvPr id="3" name="Vertical Text Placeholder 2"/>
           <p:cNvSpPr>
             <a:spLocks noGrp="1"/>
           </p:cNvSpPr>
@@ -604,8 +738,8 @@
         </p:nvSpPr>
         <p:spPr>
           <a:xfrm>
-            <a:off x="838200" y="365125"/>
-            <a:ext cx="7734300" cy="5811838"/>
+            <a:off x="1371600" y="624156"/>
+            <a:ext cx="8179641" cy="5243244"/>
           </a:xfrm>
         </p:spPr>
         <p:txBody>
@@ -645,19 +779,13 @@
               <a:rPr lang="en-US"/>
               <a:t>Fifth level</a:t>
             </a:r>
-            <a:endParaRPr lang="en-SG"/>
-          </a:p>
-        </p:txBody>
-      </p:sp>
-      <p:sp>
-        <p:nvSpPr>
-          <p:cNvPr id="4" name="Date Placeholder 3">
-            <a:extLst>
-              <a:ext uri="{FF2B5EF4-FFF2-40B4-BE49-F238E27FC236}">
-                <a16:creationId xmlns:a16="http://schemas.microsoft.com/office/drawing/2014/main" id="{6A0AD75E-F744-448B-8B42-465633B89F0B}"/>
-              </a:ext>
-            </a:extLst>
-          </p:cNvPr>
+            <a:endParaRPr lang="en-US" dirty="0"/>
+          </a:p>
+        </p:txBody>
+      </p:sp>
+      <p:sp>
+        <p:nvSpPr>
+          <p:cNvPr id="4" name="Date Placeholder 3"/>
           <p:cNvSpPr>
             <a:spLocks noGrp="1"/>
           </p:cNvSpPr>
@@ -680,13 +808,7 @@
       </p:sp>
       <p:sp>
         <p:nvSpPr>
-          <p:cNvPr id="5" name="Footer Placeholder 4">
-            <a:extLst>
-              <a:ext uri="{FF2B5EF4-FFF2-40B4-BE49-F238E27FC236}">
-                <a16:creationId xmlns:a16="http://schemas.microsoft.com/office/drawing/2014/main" id="{7D9AA9B6-A678-461A-BA62-C36086C45919}"/>
-              </a:ext>
-            </a:extLst>
-          </p:cNvPr>
+          <p:cNvPr id="5" name="Footer Placeholder 4"/>
           <p:cNvSpPr>
             <a:spLocks noGrp="1"/>
           </p:cNvSpPr>
@@ -705,13 +827,7 @@
       </p:sp>
       <p:sp>
         <p:nvSpPr>
-          <p:cNvPr id="6" name="Slide Number Placeholder 5">
-            <a:extLst>
-              <a:ext uri="{FF2B5EF4-FFF2-40B4-BE49-F238E27FC236}">
-                <a16:creationId xmlns:a16="http://schemas.microsoft.com/office/drawing/2014/main" id="{CAEF5CB2-FF7E-43EA-BFF3-CE1BB5DBD49F}"/>
-              </a:ext>
-            </a:extLst>
-          </p:cNvPr>
+          <p:cNvPr id="6" name="Slide Number Placeholder 5"/>
           <p:cNvSpPr>
             <a:spLocks noGrp="1"/>
           </p:cNvSpPr>
@@ -735,7 +851,7 @@
     </p:spTree>
     <p:extLst>
       <p:ext uri="{BB962C8B-B14F-4D97-AF65-F5344CB8AC3E}">
-        <p14:creationId xmlns:p14="http://schemas.microsoft.com/office/powerpoint/2010/main" val="2778048929"/>
+        <p14:creationId xmlns:p14="http://schemas.microsoft.com/office/powerpoint/2010/main" val="4101047403"/>
       </p:ext>
     </p:extLst>
   </p:cSld>
@@ -764,13 +880,7 @@
       </p:grpSpPr>
       <p:sp>
         <p:nvSpPr>
-          <p:cNvPr id="2" name="Title 1">
-            <a:extLst>
-              <a:ext uri="{FF2B5EF4-FFF2-40B4-BE49-F238E27FC236}">
-                <a16:creationId xmlns:a16="http://schemas.microsoft.com/office/drawing/2014/main" id="{924ADCA5-3040-4D21-9124-75CABD1C5087}"/>
-              </a:ext>
-            </a:extLst>
-          </p:cNvPr>
+          <p:cNvPr id="2" name="Title 1"/>
           <p:cNvSpPr>
             <a:spLocks noGrp="1"/>
           </p:cNvSpPr>
@@ -787,19 +897,13 @@
               <a:rPr lang="en-US"/>
               <a:t>Click to edit Master title style</a:t>
             </a:r>
-            <a:endParaRPr lang="en-SG"/>
-          </a:p>
-        </p:txBody>
-      </p:sp>
-      <p:sp>
-        <p:nvSpPr>
-          <p:cNvPr id="3" name="Content Placeholder 2">
-            <a:extLst>
-              <a:ext uri="{FF2B5EF4-FFF2-40B4-BE49-F238E27FC236}">
-                <a16:creationId xmlns:a16="http://schemas.microsoft.com/office/drawing/2014/main" id="{E85D9C41-4142-4765-8EF2-FAEC49353388}"/>
-              </a:ext>
-            </a:extLst>
-          </p:cNvPr>
+            <a:endParaRPr lang="en-US" dirty="0"/>
+          </a:p>
+        </p:txBody>
+      </p:sp>
+      <p:sp>
+        <p:nvSpPr>
+          <p:cNvPr id="3" name="Content Placeholder 2"/>
           <p:cNvSpPr>
             <a:spLocks noGrp="1"/>
           </p:cNvSpPr>
@@ -845,19 +949,13 @@
               <a:rPr lang="en-US"/>
               <a:t>Fifth level</a:t>
             </a:r>
-            <a:endParaRPr lang="en-SG"/>
-          </a:p>
-        </p:txBody>
-      </p:sp>
-      <p:sp>
-        <p:nvSpPr>
-          <p:cNvPr id="4" name="Date Placeholder 3">
-            <a:extLst>
-              <a:ext uri="{FF2B5EF4-FFF2-40B4-BE49-F238E27FC236}">
-                <a16:creationId xmlns:a16="http://schemas.microsoft.com/office/drawing/2014/main" id="{DEE82851-719D-4EBC-A1B3-097FCA0AF849}"/>
-              </a:ext>
-            </a:extLst>
-          </p:cNvPr>
+            <a:endParaRPr lang="en-US" dirty="0"/>
+          </a:p>
+        </p:txBody>
+      </p:sp>
+      <p:sp>
+        <p:nvSpPr>
+          <p:cNvPr id="4" name="Date Placeholder 3"/>
           <p:cNvSpPr>
             <a:spLocks noGrp="1"/>
           </p:cNvSpPr>
@@ -880,13 +978,7 @@
       </p:sp>
       <p:sp>
         <p:nvSpPr>
-          <p:cNvPr id="5" name="Footer Placeholder 4">
-            <a:extLst>
-              <a:ext uri="{FF2B5EF4-FFF2-40B4-BE49-F238E27FC236}">
-                <a16:creationId xmlns:a16="http://schemas.microsoft.com/office/drawing/2014/main" id="{256F35B7-65CD-457C-B8E9-2455188F16B9}"/>
-              </a:ext>
-            </a:extLst>
-          </p:cNvPr>
+          <p:cNvPr id="5" name="Footer Placeholder 4"/>
           <p:cNvSpPr>
             <a:spLocks noGrp="1"/>
           </p:cNvSpPr>
@@ -905,13 +997,7 @@
       </p:sp>
       <p:sp>
         <p:nvSpPr>
-          <p:cNvPr id="6" name="Slide Number Placeholder 5">
-            <a:extLst>
-              <a:ext uri="{FF2B5EF4-FFF2-40B4-BE49-F238E27FC236}">
-                <a16:creationId xmlns:a16="http://schemas.microsoft.com/office/drawing/2014/main" id="{BA035701-67DF-4058-8E21-5DF989789040}"/>
-              </a:ext>
-            </a:extLst>
-          </p:cNvPr>
+          <p:cNvPr id="6" name="Slide Number Placeholder 5"/>
           <p:cNvSpPr>
             <a:spLocks noGrp="1"/>
           </p:cNvSpPr>
@@ -935,7 +1021,7 @@
     </p:spTree>
     <p:extLst>
       <p:ext uri="{BB962C8B-B14F-4D97-AF65-F5344CB8AC3E}">
-        <p14:creationId xmlns:p14="http://schemas.microsoft.com/office/powerpoint/2010/main" val="1468964530"/>
+        <p14:creationId xmlns:p14="http://schemas.microsoft.com/office/powerpoint/2010/main" val="1459213737"/>
       </p:ext>
     </p:extLst>
   </p:cSld>
@@ -946,8 +1032,13 @@
 </file>
 
 <file path=ppt/slideLayouts/slideLayout3.xml><?xml version="1.0" encoding="utf-8"?>
-<p:sldLayout xmlns:a="http://schemas.openxmlformats.org/drawingml/2006/main" xmlns:r="http://schemas.openxmlformats.org/officeDocument/2006/relationships" xmlns:p="http://schemas.openxmlformats.org/presentationml/2006/main" type="secHead" preserve="1">
+<p:sldLayout xmlns:a="http://schemas.openxmlformats.org/drawingml/2006/main" xmlns:r="http://schemas.openxmlformats.org/officeDocument/2006/relationships" xmlns:p="http://schemas.openxmlformats.org/presentationml/2006/main" showMasterSp="0" type="secHead" preserve="1">
   <p:cSld name="Section Header">
+    <p:bg>
+      <p:bgRef idx="1001">
+        <a:schemeClr val="bg2"/>
+      </p:bgRef>
+    </p:bg>
     <p:spTree>
       <p:nvGrpSpPr>
         <p:cNvPr id="1" name=""/>
@@ -964,13 +1055,7 @@
       </p:grpSpPr>
       <p:sp>
         <p:nvSpPr>
-          <p:cNvPr id="2" name="Title 1">
-            <a:extLst>
-              <a:ext uri="{FF2B5EF4-FFF2-40B4-BE49-F238E27FC236}">
-                <a16:creationId xmlns:a16="http://schemas.microsoft.com/office/drawing/2014/main" id="{34A78044-48B7-4D05-A8BB-E43289EE8272}"/>
-              </a:ext>
-            </a:extLst>
-          </p:cNvPr>
+          <p:cNvPr id="2" name="Title 1"/>
           <p:cNvSpPr>
             <a:spLocks noGrp="1"/>
           </p:cNvSpPr>
@@ -980,15 +1065,21 @@
         </p:nvSpPr>
         <p:spPr>
           <a:xfrm>
-            <a:off x="831850" y="1709738"/>
-            <a:ext cx="10515600" cy="2852737"/>
+            <a:off x="765025" y="1301360"/>
+            <a:ext cx="9612971" cy="2852737"/>
           </a:xfrm>
         </p:spPr>
         <p:txBody>
-          <a:bodyPr anchor="b"/>
+          <a:bodyPr anchor="b">
+            <a:normAutofit/>
+          </a:bodyPr>
           <a:lstStyle>
-            <a:lvl1pPr>
-              <a:defRPr sz="6000"/>
+            <a:lvl1pPr algn="r">
+              <a:defRPr sz="7200" cap="all" baseline="0">
+                <a:solidFill>
+                  <a:schemeClr val="tx2"/>
+                </a:solidFill>
+              </a:defRPr>
             </a:lvl1pPr>
           </a:lstStyle>
           <a:p>
@@ -996,19 +1087,13 @@
               <a:rPr lang="en-US"/>
               <a:t>Click to edit Master title style</a:t>
             </a:r>
-            <a:endParaRPr lang="en-SG"/>
-          </a:p>
-        </p:txBody>
-      </p:sp>
-      <p:sp>
-        <p:nvSpPr>
-          <p:cNvPr id="3" name="Text Placeholder 2">
-            <a:extLst>
-              <a:ext uri="{FF2B5EF4-FFF2-40B4-BE49-F238E27FC236}">
-                <a16:creationId xmlns:a16="http://schemas.microsoft.com/office/drawing/2014/main" id="{DEBAD819-3BA5-4CC4-939B-7FE0FCE2ACCD}"/>
-              </a:ext>
-            </a:extLst>
-          </p:cNvPr>
+            <a:endParaRPr lang="en-US" dirty="0"/>
+          </a:p>
+        </p:txBody>
+      </p:sp>
+      <p:sp>
+        <p:nvSpPr>
+          <p:cNvPr id="3" name="Text Placeholder 2"/>
           <p:cNvSpPr>
             <a:spLocks noGrp="1"/>
           </p:cNvSpPr>
@@ -1018,20 +1103,27 @@
         </p:nvSpPr>
         <p:spPr>
           <a:xfrm>
-            <a:off x="831850" y="4589463"/>
-            <a:ext cx="10515600" cy="1500187"/>
+            <a:off x="765025" y="4216328"/>
+            <a:ext cx="9612971" cy="1143324"/>
           </a:xfrm>
         </p:spPr>
         <p:txBody>
           <a:bodyPr/>
           <a:lstStyle>
-            <a:lvl1pPr marL="0" indent="0">
+            <a:lvl1pPr marL="0" indent="0" algn="r">
+              <a:lnSpc>
+                <a:spcPct val="112000"/>
+              </a:lnSpc>
+              <a:spcBef>
+                <a:spcPts val="0"/>
+              </a:spcBef>
+              <a:spcAft>
+                <a:spcPts val="0"/>
+              </a:spcAft>
               <a:buNone/>
               <a:defRPr sz="2400">
                 <a:solidFill>
-                  <a:schemeClr val="tx1">
-                    <a:tint val="75000"/>
-                  </a:schemeClr>
+                  <a:schemeClr val="tx2"/>
                 </a:solidFill>
               </a:defRPr>
             </a:lvl1pPr>
@@ -1127,13 +1219,7 @@
       </p:sp>
       <p:sp>
         <p:nvSpPr>
-          <p:cNvPr id="4" name="Date Placeholder 3">
-            <a:extLst>
-              <a:ext uri="{FF2B5EF4-FFF2-40B4-BE49-F238E27FC236}">
-                <a16:creationId xmlns:a16="http://schemas.microsoft.com/office/drawing/2014/main" id="{FCE93C9D-E158-4FE9-82D6-22E95A6123A0}"/>
-              </a:ext>
-            </a:extLst>
-          </p:cNvPr>
+          <p:cNvPr id="4" name="Date Placeholder 3"/>
           <p:cNvSpPr>
             <a:spLocks noGrp="1"/>
           </p:cNvSpPr>
@@ -1141,10 +1227,23 @@
             <p:ph type="dt" sz="half" idx="10"/>
           </p:nvPr>
         </p:nvSpPr>
-        <p:spPr/>
-        <p:txBody>
-          <a:bodyPr/>
-          <a:lstStyle/>
+        <p:spPr>
+          <a:xfrm>
+            <a:off x="738908" y="6453386"/>
+            <a:ext cx="1622409" cy="404614"/>
+          </a:xfrm>
+        </p:spPr>
+        <p:txBody>
+          <a:bodyPr/>
+          <a:lstStyle>
+            <a:lvl1pPr>
+              <a:defRPr>
+                <a:solidFill>
+                  <a:schemeClr val="tx2"/>
+                </a:solidFill>
+              </a:defRPr>
+            </a:lvl1pPr>
+          </a:lstStyle>
           <a:p>
             <a:fld id="{CB7F89C8-3D12-43AC-9B8D-BAAB3C769E52}" type="datetimeFigureOut">
               <a:rPr lang="en-SG" smtClean="0"/>
@@ -1156,13 +1255,7 @@
       </p:sp>
       <p:sp>
         <p:nvSpPr>
-          <p:cNvPr id="5" name="Footer Placeholder 4">
-            <a:extLst>
-              <a:ext uri="{FF2B5EF4-FFF2-40B4-BE49-F238E27FC236}">
-                <a16:creationId xmlns:a16="http://schemas.microsoft.com/office/drawing/2014/main" id="{81058ABD-5F94-4F87-9D53-17FA4BB70BD2}"/>
-              </a:ext>
-            </a:extLst>
-          </p:cNvPr>
+          <p:cNvPr id="5" name="Footer Placeholder 4"/>
           <p:cNvSpPr>
             <a:spLocks noGrp="1"/>
           </p:cNvSpPr>
@@ -1170,10 +1263,23 @@
             <p:ph type="ftr" sz="quarter" idx="11"/>
           </p:nvPr>
         </p:nvSpPr>
-        <p:spPr/>
-        <p:txBody>
-          <a:bodyPr/>
-          <a:lstStyle/>
+        <p:spPr>
+          <a:xfrm>
+            <a:off x="2584312" y="6453386"/>
+            <a:ext cx="7023377" cy="404614"/>
+          </a:xfrm>
+        </p:spPr>
+        <p:txBody>
+          <a:bodyPr/>
+          <a:lstStyle>
+            <a:lvl1pPr algn="ctr">
+              <a:defRPr>
+                <a:solidFill>
+                  <a:schemeClr val="tx2"/>
+                </a:solidFill>
+              </a:defRPr>
+            </a:lvl1pPr>
+          </a:lstStyle>
           <a:p>
             <a:endParaRPr lang="en-SG"/>
           </a:p>
@@ -1181,13 +1287,7 @@
       </p:sp>
       <p:sp>
         <p:nvSpPr>
-          <p:cNvPr id="6" name="Slide Number Placeholder 5">
-            <a:extLst>
-              <a:ext uri="{FF2B5EF4-FFF2-40B4-BE49-F238E27FC236}">
-                <a16:creationId xmlns:a16="http://schemas.microsoft.com/office/drawing/2014/main" id="{4D922143-BDB9-42D7-BE0D-E01879C80CB3}"/>
-              </a:ext>
-            </a:extLst>
-          </p:cNvPr>
+          <p:cNvPr id="6" name="Slide Number Placeholder 5"/>
           <p:cNvSpPr>
             <a:spLocks noGrp="1"/>
           </p:cNvSpPr>
@@ -1195,10 +1295,23 @@
             <p:ph type="sldNum" sz="quarter" idx="12"/>
           </p:nvPr>
         </p:nvSpPr>
-        <p:spPr/>
-        <p:txBody>
-          <a:bodyPr/>
-          <a:lstStyle/>
+        <p:spPr>
+          <a:xfrm>
+            <a:off x="9830683" y="6453386"/>
+            <a:ext cx="1596292" cy="404614"/>
+          </a:xfrm>
+        </p:spPr>
+        <p:txBody>
+          <a:bodyPr/>
+          <a:lstStyle>
+            <a:lvl1pPr>
+              <a:defRPr>
+                <a:solidFill>
+                  <a:schemeClr val="tx2"/>
+                </a:solidFill>
+              </a:defRPr>
+            </a:lvl1pPr>
+          </a:lstStyle>
           <a:p>
             <a:fld id="{5426A309-49F9-4663-A47A-43B55757E10D}" type="slidenum">
               <a:rPr lang="en-SG" smtClean="0"/>
@@ -1208,15 +1321,71 @@
           </a:p>
         </p:txBody>
       </p:sp>
+      <p:sp>
+        <p:nvSpPr>
+          <p:cNvPr id="7" name="Freeform 6" title="Crop Mark"/>
+          <p:cNvSpPr/>
+          <p:nvPr/>
+        </p:nvSpPr>
+        <p:spPr bwMode="auto">
+          <a:xfrm>
+            <a:off x="8151962" y="1685652"/>
+            <a:ext cx="3275013" cy="4408488"/>
+          </a:xfrm>
+          <a:custGeom>
+            <a:avLst/>
+            <a:gdLst/>
+            <a:ahLst/>
+            <a:cxnLst/>
+            <a:rect l="0" t="0" r="r" b="b"/>
+            <a:pathLst>
+              <a:path w="4125" h="5554">
+                <a:moveTo>
+                  <a:pt x="3614" y="0"/>
+                </a:moveTo>
+                <a:lnTo>
+                  <a:pt x="4125" y="0"/>
+                </a:lnTo>
+                <a:lnTo>
+                  <a:pt x="4125" y="5554"/>
+                </a:lnTo>
+                <a:lnTo>
+                  <a:pt x="0" y="5554"/>
+                </a:lnTo>
+                <a:lnTo>
+                  <a:pt x="0" y="5074"/>
+                </a:lnTo>
+                <a:lnTo>
+                  <a:pt x="3614" y="5074"/>
+                </a:lnTo>
+                <a:lnTo>
+                  <a:pt x="3614" y="0"/>
+                </a:lnTo>
+                <a:close/>
+              </a:path>
+            </a:pathLst>
+          </a:custGeom>
+          <a:solidFill>
+            <a:schemeClr val="tx2"/>
+          </a:solidFill>
+          <a:ln w="0">
+            <a:noFill/>
+            <a:prstDash val="solid"/>
+            <a:round/>
+            <a:headEnd/>
+            <a:tailEnd/>
+          </a:ln>
+        </p:spPr>
+      </p:sp>
     </p:spTree>
     <p:extLst>
       <p:ext uri="{BB962C8B-B14F-4D97-AF65-F5344CB8AC3E}">
-        <p14:creationId xmlns:p14="http://schemas.microsoft.com/office/powerpoint/2010/main" val="2533266134"/>
+        <p14:creationId xmlns:p14="http://schemas.microsoft.com/office/powerpoint/2010/main" val="3494012335"/>
       </p:ext>
     </p:extLst>
   </p:cSld>
   <p:clrMapOvr>
-    <a:masterClrMapping/>
+    <a:overrideClrMapping bg1="dk1" tx1="lt1" bg2="dk2" tx2="lt2" accent1="accent1" accent2="accent2" accent3="accent3" accent4="accent4" accent5="accent5" accent6="accent6" hlink="hlink" folHlink="folHlink"/>
   </p:clrMapOvr>
 </p:sldLayout>
 </file>
@@ -1240,13 +1409,7 @@
       </p:grpSpPr>
       <p:sp>
         <p:nvSpPr>
-          <p:cNvPr id="2" name="Title 1">
-            <a:extLst>
-              <a:ext uri="{FF2B5EF4-FFF2-40B4-BE49-F238E27FC236}">
-                <a16:creationId xmlns:a16="http://schemas.microsoft.com/office/drawing/2014/main" id="{289DFC9D-41FC-4439-89D8-77EEAC55ECB5}"/>
-              </a:ext>
-            </a:extLst>
-          </p:cNvPr>
+          <p:cNvPr id="2" name="Title 1"/>
           <p:cNvSpPr>
             <a:spLocks noGrp="1"/>
           </p:cNvSpPr>
@@ -1257,25 +1420,27 @@
         <p:spPr/>
         <p:txBody>
           <a:bodyPr/>
-          <a:lstStyle/>
+          <a:lstStyle>
+            <a:lvl1pPr>
+              <a:defRPr>
+                <a:solidFill>
+                  <a:schemeClr val="tx2"/>
+                </a:solidFill>
+              </a:defRPr>
+            </a:lvl1pPr>
+          </a:lstStyle>
           <a:p>
             <a:r>
               <a:rPr lang="en-US"/>
               <a:t>Click to edit Master title style</a:t>
             </a:r>
-            <a:endParaRPr lang="en-SG"/>
-          </a:p>
-        </p:txBody>
-      </p:sp>
-      <p:sp>
-        <p:nvSpPr>
-          <p:cNvPr id="3" name="Content Placeholder 2">
-            <a:extLst>
-              <a:ext uri="{FF2B5EF4-FFF2-40B4-BE49-F238E27FC236}">
-                <a16:creationId xmlns:a16="http://schemas.microsoft.com/office/drawing/2014/main" id="{F66A0115-B9C8-42ED-A87E-CAE1FCE97AFB}"/>
-              </a:ext>
-            </a:extLst>
-          </p:cNvPr>
+            <a:endParaRPr lang="en-US" dirty="0"/>
+          </a:p>
+        </p:txBody>
+      </p:sp>
+      <p:sp>
+        <p:nvSpPr>
+          <p:cNvPr id="3" name="Content Placeholder 2"/>
           <p:cNvSpPr>
             <a:spLocks noGrp="1"/>
           </p:cNvSpPr>
@@ -1285,13 +1450,49 @@
         </p:nvSpPr>
         <p:spPr>
           <a:xfrm>
-            <a:off x="838200" y="1825625"/>
-            <a:ext cx="5181600" cy="4351338"/>
+            <a:off x="1371600" y="2285999"/>
+            <a:ext cx="4447786" cy="3581401"/>
           </a:xfrm>
         </p:spPr>
         <p:txBody>
           <a:bodyPr/>
-          <a:lstStyle/>
+          <a:lstStyle>
+            <a:lvl1pPr>
+              <a:defRPr baseline="0">
+                <a:solidFill>
+                  <a:schemeClr val="tx2"/>
+                </a:solidFill>
+              </a:defRPr>
+            </a:lvl1pPr>
+            <a:lvl2pPr>
+              <a:defRPr baseline="0">
+                <a:solidFill>
+                  <a:schemeClr val="tx2"/>
+                </a:solidFill>
+              </a:defRPr>
+            </a:lvl2pPr>
+            <a:lvl3pPr>
+              <a:defRPr baseline="0">
+                <a:solidFill>
+                  <a:schemeClr val="tx2"/>
+                </a:solidFill>
+              </a:defRPr>
+            </a:lvl3pPr>
+            <a:lvl4pPr>
+              <a:defRPr baseline="0">
+                <a:solidFill>
+                  <a:schemeClr val="tx2"/>
+                </a:solidFill>
+              </a:defRPr>
+            </a:lvl4pPr>
+            <a:lvl5pPr>
+              <a:defRPr baseline="0">
+                <a:solidFill>
+                  <a:schemeClr val="tx2"/>
+                </a:solidFill>
+              </a:defRPr>
+            </a:lvl5pPr>
+          </a:lstStyle>
           <a:p>
             <a:pPr lvl="0"/>
             <a:r>
@@ -1326,19 +1527,13 @@
               <a:rPr lang="en-US"/>
               <a:t>Fifth level</a:t>
             </a:r>
-            <a:endParaRPr lang="en-SG"/>
-          </a:p>
-        </p:txBody>
-      </p:sp>
-      <p:sp>
-        <p:nvSpPr>
-          <p:cNvPr id="4" name="Content Placeholder 3">
-            <a:extLst>
-              <a:ext uri="{FF2B5EF4-FFF2-40B4-BE49-F238E27FC236}">
-                <a16:creationId xmlns:a16="http://schemas.microsoft.com/office/drawing/2014/main" id="{97ECDF61-BB99-447D-B6C0-1DD857D1B58F}"/>
-              </a:ext>
-            </a:extLst>
-          </p:cNvPr>
+            <a:endParaRPr lang="en-US" dirty="0"/>
+          </a:p>
+        </p:txBody>
+      </p:sp>
+      <p:sp>
+        <p:nvSpPr>
+          <p:cNvPr id="4" name="Content Placeholder 3"/>
           <p:cNvSpPr>
             <a:spLocks noGrp="1"/>
           </p:cNvSpPr>
@@ -1348,13 +1543,49 @@
         </p:nvSpPr>
         <p:spPr>
           <a:xfrm>
-            <a:off x="6172200" y="1825625"/>
-            <a:ext cx="5181600" cy="4351338"/>
+            <a:off x="6525403" y="2285999"/>
+            <a:ext cx="4447786" cy="3581401"/>
           </a:xfrm>
         </p:spPr>
         <p:txBody>
           <a:bodyPr/>
-          <a:lstStyle/>
+          <a:lstStyle>
+            <a:lvl1pPr>
+              <a:defRPr>
+                <a:solidFill>
+                  <a:schemeClr val="tx2"/>
+                </a:solidFill>
+              </a:defRPr>
+            </a:lvl1pPr>
+            <a:lvl2pPr>
+              <a:defRPr>
+                <a:solidFill>
+                  <a:schemeClr val="tx2"/>
+                </a:solidFill>
+              </a:defRPr>
+            </a:lvl2pPr>
+            <a:lvl3pPr>
+              <a:defRPr>
+                <a:solidFill>
+                  <a:schemeClr val="tx2"/>
+                </a:solidFill>
+              </a:defRPr>
+            </a:lvl3pPr>
+            <a:lvl4pPr>
+              <a:defRPr>
+                <a:solidFill>
+                  <a:schemeClr val="tx2"/>
+                </a:solidFill>
+              </a:defRPr>
+            </a:lvl4pPr>
+            <a:lvl5pPr>
+              <a:defRPr>
+                <a:solidFill>
+                  <a:schemeClr val="tx2"/>
+                </a:solidFill>
+              </a:defRPr>
+            </a:lvl5pPr>
+          </a:lstStyle>
           <a:p>
             <a:pPr lvl="0"/>
             <a:r>
@@ -1389,19 +1620,13 @@
               <a:rPr lang="en-US"/>
               <a:t>Fifth level</a:t>
             </a:r>
-            <a:endParaRPr lang="en-SG"/>
-          </a:p>
-        </p:txBody>
-      </p:sp>
-      <p:sp>
-        <p:nvSpPr>
-          <p:cNvPr id="5" name="Date Placeholder 4">
-            <a:extLst>
-              <a:ext uri="{FF2B5EF4-FFF2-40B4-BE49-F238E27FC236}">
-                <a16:creationId xmlns:a16="http://schemas.microsoft.com/office/drawing/2014/main" id="{79F0C42B-6F63-4ACF-BC43-261BB11639CC}"/>
-              </a:ext>
-            </a:extLst>
-          </p:cNvPr>
+            <a:endParaRPr lang="en-US" dirty="0"/>
+          </a:p>
+        </p:txBody>
+      </p:sp>
+      <p:sp>
+        <p:nvSpPr>
+          <p:cNvPr id="5" name="Date Placeholder 4"/>
           <p:cNvSpPr>
             <a:spLocks noGrp="1"/>
           </p:cNvSpPr>
@@ -1424,13 +1649,7 @@
       </p:sp>
       <p:sp>
         <p:nvSpPr>
-          <p:cNvPr id="6" name="Footer Placeholder 5">
-            <a:extLst>
-              <a:ext uri="{FF2B5EF4-FFF2-40B4-BE49-F238E27FC236}">
-                <a16:creationId xmlns:a16="http://schemas.microsoft.com/office/drawing/2014/main" id="{07148FC4-F2AA-4E5A-9F40-1D623895FFC7}"/>
-              </a:ext>
-            </a:extLst>
-          </p:cNvPr>
+          <p:cNvPr id="6" name="Footer Placeholder 5"/>
           <p:cNvSpPr>
             <a:spLocks noGrp="1"/>
           </p:cNvSpPr>
@@ -1449,13 +1668,7 @@
       </p:sp>
       <p:sp>
         <p:nvSpPr>
-          <p:cNvPr id="7" name="Slide Number Placeholder 6">
-            <a:extLst>
-              <a:ext uri="{FF2B5EF4-FFF2-40B4-BE49-F238E27FC236}">
-                <a16:creationId xmlns:a16="http://schemas.microsoft.com/office/drawing/2014/main" id="{8FE63F73-1295-4841-B355-29ABA503999C}"/>
-              </a:ext>
-            </a:extLst>
-          </p:cNvPr>
+          <p:cNvPr id="7" name="Slide Number Placeholder 6"/>
           <p:cNvSpPr>
             <a:spLocks noGrp="1"/>
           </p:cNvSpPr>
@@ -1479,7 +1692,7 @@
     </p:spTree>
     <p:extLst>
       <p:ext uri="{BB962C8B-B14F-4D97-AF65-F5344CB8AC3E}">
-        <p14:creationId xmlns:p14="http://schemas.microsoft.com/office/powerpoint/2010/main" val="635538570"/>
+        <p14:creationId xmlns:p14="http://schemas.microsoft.com/office/powerpoint/2010/main" val="1322016025"/>
       </p:ext>
     </p:extLst>
   </p:cSld>
@@ -1508,13 +1721,7 @@
       </p:grpSpPr>
       <p:sp>
         <p:nvSpPr>
-          <p:cNvPr id="2" name="Title 1">
-            <a:extLst>
-              <a:ext uri="{FF2B5EF4-FFF2-40B4-BE49-F238E27FC236}">
-                <a16:creationId xmlns:a16="http://schemas.microsoft.com/office/drawing/2014/main" id="{321AB3B5-7856-4DAD-9461-0A72E930939D}"/>
-              </a:ext>
-            </a:extLst>
-          </p:cNvPr>
+          <p:cNvPr id="2" name="Title 1"/>
           <p:cNvSpPr>
             <a:spLocks noGrp="1"/>
           </p:cNvSpPr>
@@ -1524,31 +1731,33 @@
         </p:nvSpPr>
         <p:spPr>
           <a:xfrm>
-            <a:off x="839788" y="365125"/>
-            <a:ext cx="10515600" cy="1325563"/>
+            <a:off x="1371600" y="685800"/>
+            <a:ext cx="9601200" cy="1485900"/>
           </a:xfrm>
         </p:spPr>
         <p:txBody>
           <a:bodyPr/>
-          <a:lstStyle/>
+          <a:lstStyle>
+            <a:lvl1pPr>
+              <a:defRPr>
+                <a:solidFill>
+                  <a:schemeClr val="tx2"/>
+                </a:solidFill>
+              </a:defRPr>
+            </a:lvl1pPr>
+          </a:lstStyle>
           <a:p>
             <a:r>
               <a:rPr lang="en-US"/>
               <a:t>Click to edit Master title style</a:t>
             </a:r>
-            <a:endParaRPr lang="en-SG"/>
-          </a:p>
-        </p:txBody>
-      </p:sp>
-      <p:sp>
-        <p:nvSpPr>
-          <p:cNvPr id="3" name="Text Placeholder 2">
-            <a:extLst>
-              <a:ext uri="{FF2B5EF4-FFF2-40B4-BE49-F238E27FC236}">
-                <a16:creationId xmlns:a16="http://schemas.microsoft.com/office/drawing/2014/main" id="{2B371FC4-A2AD-4E9B-99B0-76C2CC0AB0AA}"/>
-              </a:ext>
-            </a:extLst>
-          </p:cNvPr>
+            <a:endParaRPr lang="en-US" dirty="0"/>
+          </a:p>
+        </p:txBody>
+      </p:sp>
+      <p:sp>
+        <p:nvSpPr>
+          <p:cNvPr id="3" name="Text Placeholder 2"/>
           <p:cNvSpPr>
             <a:spLocks noGrp="1"/>
           </p:cNvSpPr>
@@ -1558,16 +1767,31 @@
         </p:nvSpPr>
         <p:spPr>
           <a:xfrm>
-            <a:off x="839788" y="1681163"/>
-            <a:ext cx="5157787" cy="823912"/>
+            <a:off x="1371600" y="2340864"/>
+            <a:ext cx="4443984" cy="823912"/>
           </a:xfrm>
         </p:spPr>
         <p:txBody>
-          <a:bodyPr anchor="b"/>
+          <a:bodyPr anchor="b">
+            <a:noAutofit/>
+          </a:bodyPr>
           <a:lstStyle>
             <a:lvl1pPr marL="0" indent="0">
-              <a:buNone/>
-              <a:defRPr sz="2400" b="1"/>
+              <a:lnSpc>
+                <a:spcPct val="84000"/>
+              </a:lnSpc>
+              <a:spcBef>
+                <a:spcPts val="0"/>
+              </a:spcBef>
+              <a:spcAft>
+                <a:spcPts val="0"/>
+              </a:spcAft>
+              <a:buNone/>
+              <a:defRPr sz="3000" b="0" baseline="0">
+                <a:solidFill>
+                  <a:schemeClr val="tx2"/>
+                </a:solidFill>
+              </a:defRPr>
             </a:lvl1pPr>
             <a:lvl2pPr marL="457200" indent="0">
               <a:buNone/>
@@ -1613,13 +1837,7 @@
       </p:sp>
       <p:sp>
         <p:nvSpPr>
-          <p:cNvPr id="4" name="Content Placeholder 3">
-            <a:extLst>
-              <a:ext uri="{FF2B5EF4-FFF2-40B4-BE49-F238E27FC236}">
-                <a16:creationId xmlns:a16="http://schemas.microsoft.com/office/drawing/2014/main" id="{C6CFDAB0-7DFB-47BE-9B3D-1CFF3C528674}"/>
-              </a:ext>
-            </a:extLst>
-          </p:cNvPr>
+          <p:cNvPr id="4" name="Content Placeholder 3"/>
           <p:cNvSpPr>
             <a:spLocks noGrp="1"/>
           </p:cNvSpPr>
@@ -1629,13 +1847,49 @@
         </p:nvSpPr>
         <p:spPr>
           <a:xfrm>
-            <a:off x="839788" y="2505075"/>
-            <a:ext cx="5157787" cy="3684588"/>
+            <a:off x="1371600" y="3305207"/>
+            <a:ext cx="4443984" cy="2562193"/>
           </a:xfrm>
         </p:spPr>
         <p:txBody>
           <a:bodyPr/>
-          <a:lstStyle/>
+          <a:lstStyle>
+            <a:lvl1pPr>
+              <a:defRPr baseline="0">
+                <a:solidFill>
+                  <a:schemeClr val="tx2"/>
+                </a:solidFill>
+              </a:defRPr>
+            </a:lvl1pPr>
+            <a:lvl2pPr>
+              <a:defRPr baseline="0">
+                <a:solidFill>
+                  <a:schemeClr val="tx2"/>
+                </a:solidFill>
+              </a:defRPr>
+            </a:lvl2pPr>
+            <a:lvl3pPr>
+              <a:defRPr baseline="0">
+                <a:solidFill>
+                  <a:schemeClr val="tx2"/>
+                </a:solidFill>
+              </a:defRPr>
+            </a:lvl3pPr>
+            <a:lvl4pPr>
+              <a:defRPr baseline="0">
+                <a:solidFill>
+                  <a:schemeClr val="tx2"/>
+                </a:solidFill>
+              </a:defRPr>
+            </a:lvl4pPr>
+            <a:lvl5pPr>
+              <a:defRPr baseline="0">
+                <a:solidFill>
+                  <a:schemeClr val="tx2"/>
+                </a:solidFill>
+              </a:defRPr>
+            </a:lvl5pPr>
+          </a:lstStyle>
           <a:p>
             <a:pPr lvl="0"/>
             <a:r>
@@ -1670,19 +1924,13 @@
               <a:rPr lang="en-US"/>
               <a:t>Fifth level</a:t>
             </a:r>
-            <a:endParaRPr lang="en-SG"/>
-          </a:p>
-        </p:txBody>
-      </p:sp>
-      <p:sp>
-        <p:nvSpPr>
-          <p:cNvPr id="5" name="Text Placeholder 4">
-            <a:extLst>
-              <a:ext uri="{FF2B5EF4-FFF2-40B4-BE49-F238E27FC236}">
-                <a16:creationId xmlns:a16="http://schemas.microsoft.com/office/drawing/2014/main" id="{2AE30A80-1397-4D89-926F-14DD080865FD}"/>
-              </a:ext>
-            </a:extLst>
-          </p:cNvPr>
+            <a:endParaRPr lang="en-US" dirty="0"/>
+          </a:p>
+        </p:txBody>
+      </p:sp>
+      <p:sp>
+        <p:nvSpPr>
+          <p:cNvPr id="5" name="Text Placeholder 4"/>
           <p:cNvSpPr>
             <a:spLocks noGrp="1"/>
           </p:cNvSpPr>
@@ -1692,16 +1940,31 @@
         </p:nvSpPr>
         <p:spPr>
           <a:xfrm>
-            <a:off x="6172200" y="1681163"/>
-            <a:ext cx="5183188" cy="823912"/>
+            <a:off x="6525014" y="2340864"/>
+            <a:ext cx="4443984" cy="823912"/>
           </a:xfrm>
         </p:spPr>
         <p:txBody>
-          <a:bodyPr anchor="b"/>
+          <a:bodyPr anchor="b">
+            <a:noAutofit/>
+          </a:bodyPr>
           <a:lstStyle>
             <a:lvl1pPr marL="0" indent="0">
-              <a:buNone/>
-              <a:defRPr sz="2400" b="1"/>
+              <a:lnSpc>
+                <a:spcPct val="84000"/>
+              </a:lnSpc>
+              <a:spcBef>
+                <a:spcPts val="0"/>
+              </a:spcBef>
+              <a:spcAft>
+                <a:spcPts val="0"/>
+              </a:spcAft>
+              <a:buNone/>
+              <a:defRPr sz="3000" b="0" baseline="0">
+                <a:solidFill>
+                  <a:schemeClr val="tx2"/>
+                </a:solidFill>
+              </a:defRPr>
             </a:lvl1pPr>
             <a:lvl2pPr marL="457200" indent="0">
               <a:buNone/>
@@ -1747,13 +2010,7 @@
       </p:sp>
       <p:sp>
         <p:nvSpPr>
-          <p:cNvPr id="6" name="Content Placeholder 5">
-            <a:extLst>
-              <a:ext uri="{FF2B5EF4-FFF2-40B4-BE49-F238E27FC236}">
-                <a16:creationId xmlns:a16="http://schemas.microsoft.com/office/drawing/2014/main" id="{967640AD-2731-41DF-838B-84B2766BD8DC}"/>
-              </a:ext>
-            </a:extLst>
-          </p:cNvPr>
+          <p:cNvPr id="6" name="Content Placeholder 5"/>
           <p:cNvSpPr>
             <a:spLocks noGrp="1"/>
           </p:cNvSpPr>
@@ -1763,13 +2020,49 @@
         </p:nvSpPr>
         <p:spPr>
           <a:xfrm>
-            <a:off x="6172200" y="2505075"/>
-            <a:ext cx="5183188" cy="3684588"/>
+            <a:off x="6525014" y="3305207"/>
+            <a:ext cx="4443984" cy="2562193"/>
           </a:xfrm>
         </p:spPr>
         <p:txBody>
           <a:bodyPr/>
-          <a:lstStyle/>
+          <a:lstStyle>
+            <a:lvl1pPr>
+              <a:defRPr baseline="0">
+                <a:solidFill>
+                  <a:schemeClr val="tx2"/>
+                </a:solidFill>
+              </a:defRPr>
+            </a:lvl1pPr>
+            <a:lvl2pPr>
+              <a:defRPr baseline="0">
+                <a:solidFill>
+                  <a:schemeClr val="tx2"/>
+                </a:solidFill>
+              </a:defRPr>
+            </a:lvl2pPr>
+            <a:lvl3pPr>
+              <a:defRPr baseline="0">
+                <a:solidFill>
+                  <a:schemeClr val="tx2"/>
+                </a:solidFill>
+              </a:defRPr>
+            </a:lvl3pPr>
+            <a:lvl4pPr>
+              <a:defRPr baseline="0">
+                <a:solidFill>
+                  <a:schemeClr val="tx2"/>
+                </a:solidFill>
+              </a:defRPr>
+            </a:lvl4pPr>
+            <a:lvl5pPr>
+              <a:defRPr baseline="0">
+                <a:solidFill>
+                  <a:schemeClr val="tx2"/>
+                </a:solidFill>
+              </a:defRPr>
+            </a:lvl5pPr>
+          </a:lstStyle>
           <a:p>
             <a:pPr lvl="0"/>
             <a:r>
@@ -1804,19 +2097,13 @@
               <a:rPr lang="en-US"/>
               <a:t>Fifth level</a:t>
             </a:r>
-            <a:endParaRPr lang="en-SG"/>
-          </a:p>
-        </p:txBody>
-      </p:sp>
-      <p:sp>
-        <p:nvSpPr>
-          <p:cNvPr id="7" name="Date Placeholder 6">
-            <a:extLst>
-              <a:ext uri="{FF2B5EF4-FFF2-40B4-BE49-F238E27FC236}">
-                <a16:creationId xmlns:a16="http://schemas.microsoft.com/office/drawing/2014/main" id="{B6D6A30B-01BE-4FE4-87FC-C3D8BB355789}"/>
-              </a:ext>
-            </a:extLst>
-          </p:cNvPr>
+            <a:endParaRPr lang="en-US" dirty="0"/>
+          </a:p>
+        </p:txBody>
+      </p:sp>
+      <p:sp>
+        <p:nvSpPr>
+          <p:cNvPr id="7" name="Date Placeholder 6"/>
           <p:cNvSpPr>
             <a:spLocks noGrp="1"/>
           </p:cNvSpPr>
@@ -1839,13 +2126,7 @@
       </p:sp>
       <p:sp>
         <p:nvSpPr>
-          <p:cNvPr id="8" name="Footer Placeholder 7">
-            <a:extLst>
-              <a:ext uri="{FF2B5EF4-FFF2-40B4-BE49-F238E27FC236}">
-                <a16:creationId xmlns:a16="http://schemas.microsoft.com/office/drawing/2014/main" id="{1FF0C2AD-2536-4CDE-84EA-C4AA08F0E6AF}"/>
-              </a:ext>
-            </a:extLst>
-          </p:cNvPr>
+          <p:cNvPr id="8" name="Footer Placeholder 7"/>
           <p:cNvSpPr>
             <a:spLocks noGrp="1"/>
           </p:cNvSpPr>
@@ -1864,13 +2145,7 @@
       </p:sp>
       <p:sp>
         <p:nvSpPr>
-          <p:cNvPr id="9" name="Slide Number Placeholder 8">
-            <a:extLst>
-              <a:ext uri="{FF2B5EF4-FFF2-40B4-BE49-F238E27FC236}">
-                <a16:creationId xmlns:a16="http://schemas.microsoft.com/office/drawing/2014/main" id="{7B30F7E7-CF52-4802-ABBD-E0DCFDE71A4C}"/>
-              </a:ext>
-            </a:extLst>
-          </p:cNvPr>
+          <p:cNvPr id="9" name="Slide Number Placeholder 8"/>
           <p:cNvSpPr>
             <a:spLocks noGrp="1"/>
           </p:cNvSpPr>
@@ -1894,7 +2169,7 @@
     </p:spTree>
     <p:extLst>
       <p:ext uri="{BB962C8B-B14F-4D97-AF65-F5344CB8AC3E}">
-        <p14:creationId xmlns:p14="http://schemas.microsoft.com/office/powerpoint/2010/main" val="134610937"/>
+        <p14:creationId xmlns:p14="http://schemas.microsoft.com/office/powerpoint/2010/main" val="3077395157"/>
       </p:ext>
     </p:extLst>
   </p:cSld>
@@ -1923,13 +2198,7 @@
       </p:grpSpPr>
       <p:sp>
         <p:nvSpPr>
-          <p:cNvPr id="2" name="Title 1">
-            <a:extLst>
-              <a:ext uri="{FF2B5EF4-FFF2-40B4-BE49-F238E27FC236}">
-                <a16:creationId xmlns:a16="http://schemas.microsoft.com/office/drawing/2014/main" id="{01C470AF-0CF9-4901-8976-6815BEBCFEAD}"/>
-              </a:ext>
-            </a:extLst>
-          </p:cNvPr>
+          <p:cNvPr id="2" name="Title 1"/>
           <p:cNvSpPr>
             <a:spLocks noGrp="1"/>
           </p:cNvSpPr>
@@ -1946,19 +2215,13 @@
               <a:rPr lang="en-US"/>
               <a:t>Click to edit Master title style</a:t>
             </a:r>
-            <a:endParaRPr lang="en-SG"/>
-          </a:p>
-        </p:txBody>
-      </p:sp>
-      <p:sp>
-        <p:nvSpPr>
-          <p:cNvPr id="3" name="Date Placeholder 2">
-            <a:extLst>
-              <a:ext uri="{FF2B5EF4-FFF2-40B4-BE49-F238E27FC236}">
-                <a16:creationId xmlns:a16="http://schemas.microsoft.com/office/drawing/2014/main" id="{45CFC373-BAA9-468E-B7C4-3E84786EFDB8}"/>
-              </a:ext>
-            </a:extLst>
-          </p:cNvPr>
+            <a:endParaRPr lang="en-US" dirty="0"/>
+          </a:p>
+        </p:txBody>
+      </p:sp>
+      <p:sp>
+        <p:nvSpPr>
+          <p:cNvPr id="3" name="Date Placeholder 2"/>
           <p:cNvSpPr>
             <a:spLocks noGrp="1"/>
           </p:cNvSpPr>
@@ -1981,13 +2244,7 @@
       </p:sp>
       <p:sp>
         <p:nvSpPr>
-          <p:cNvPr id="4" name="Footer Placeholder 3">
-            <a:extLst>
-              <a:ext uri="{FF2B5EF4-FFF2-40B4-BE49-F238E27FC236}">
-                <a16:creationId xmlns:a16="http://schemas.microsoft.com/office/drawing/2014/main" id="{74C54703-F818-4643-8AD5-5E00EE45EF91}"/>
-              </a:ext>
-            </a:extLst>
-          </p:cNvPr>
+          <p:cNvPr id="4" name="Footer Placeholder 3"/>
           <p:cNvSpPr>
             <a:spLocks noGrp="1"/>
           </p:cNvSpPr>
@@ -2006,13 +2263,7 @@
       </p:sp>
       <p:sp>
         <p:nvSpPr>
-          <p:cNvPr id="5" name="Slide Number Placeholder 4">
-            <a:extLst>
-              <a:ext uri="{FF2B5EF4-FFF2-40B4-BE49-F238E27FC236}">
-                <a16:creationId xmlns:a16="http://schemas.microsoft.com/office/drawing/2014/main" id="{F5A0A416-151E-46AA-85A9-667C93C0CE9A}"/>
-              </a:ext>
-            </a:extLst>
-          </p:cNvPr>
+          <p:cNvPr id="5" name="Slide Number Placeholder 4"/>
           <p:cNvSpPr>
             <a:spLocks noGrp="1"/>
           </p:cNvSpPr>
@@ -2036,7 +2287,7 @@
     </p:spTree>
     <p:extLst>
       <p:ext uri="{BB962C8B-B14F-4D97-AF65-F5344CB8AC3E}">
-        <p14:creationId xmlns:p14="http://schemas.microsoft.com/office/powerpoint/2010/main" val="2649238752"/>
+        <p14:creationId xmlns:p14="http://schemas.microsoft.com/office/powerpoint/2010/main" val="4006821005"/>
       </p:ext>
     </p:extLst>
   </p:cSld>
@@ -2065,13 +2316,7 @@
       </p:grpSpPr>
       <p:sp>
         <p:nvSpPr>
-          <p:cNvPr id="2" name="Date Placeholder 1">
-            <a:extLst>
-              <a:ext uri="{FF2B5EF4-FFF2-40B4-BE49-F238E27FC236}">
-                <a16:creationId xmlns:a16="http://schemas.microsoft.com/office/drawing/2014/main" id="{6D7DD2D2-DE72-4E12-8801-46C19B239B60}"/>
-              </a:ext>
-            </a:extLst>
-          </p:cNvPr>
+          <p:cNvPr id="2" name="Date Placeholder 1"/>
           <p:cNvSpPr>
             <a:spLocks noGrp="1"/>
           </p:cNvSpPr>
@@ -2094,13 +2339,7 @@
       </p:sp>
       <p:sp>
         <p:nvSpPr>
-          <p:cNvPr id="3" name="Footer Placeholder 2">
-            <a:extLst>
-              <a:ext uri="{FF2B5EF4-FFF2-40B4-BE49-F238E27FC236}">
-                <a16:creationId xmlns:a16="http://schemas.microsoft.com/office/drawing/2014/main" id="{E480DCF1-67A6-46C3-A930-6D0964BB0DFC}"/>
-              </a:ext>
-            </a:extLst>
-          </p:cNvPr>
+          <p:cNvPr id="3" name="Footer Placeholder 2"/>
           <p:cNvSpPr>
             <a:spLocks noGrp="1"/>
           </p:cNvSpPr>
@@ -2119,13 +2358,7 @@
       </p:sp>
       <p:sp>
         <p:nvSpPr>
-          <p:cNvPr id="4" name="Slide Number Placeholder 3">
-            <a:extLst>
-              <a:ext uri="{FF2B5EF4-FFF2-40B4-BE49-F238E27FC236}">
-                <a16:creationId xmlns:a16="http://schemas.microsoft.com/office/drawing/2014/main" id="{B33C8C5F-5657-4E50-8CF2-931BDDE58801}"/>
-              </a:ext>
-            </a:extLst>
-          </p:cNvPr>
+          <p:cNvPr id="4" name="Slide Number Placeholder 3"/>
           <p:cNvSpPr>
             <a:spLocks noGrp="1"/>
           </p:cNvSpPr>
@@ -2149,7 +2382,7 @@
     </p:spTree>
     <p:extLst>
       <p:ext uri="{BB962C8B-B14F-4D97-AF65-F5344CB8AC3E}">
-        <p14:creationId xmlns:p14="http://schemas.microsoft.com/office/powerpoint/2010/main" val="160610420"/>
+        <p14:creationId xmlns:p14="http://schemas.microsoft.com/office/powerpoint/2010/main" val="773290762"/>
       </p:ext>
     </p:extLst>
   </p:cSld>
@@ -2160,7 +2393,7 @@
 </file>
 
 <file path=ppt/slideLayouts/slideLayout8.xml><?xml version="1.0" encoding="utf-8"?>
-<p:sldLayout xmlns:a="http://schemas.openxmlformats.org/drawingml/2006/main" xmlns:r="http://schemas.openxmlformats.org/officeDocument/2006/relationships" xmlns:p="http://schemas.openxmlformats.org/presentationml/2006/main" type="objTx" preserve="1">
+<p:sldLayout xmlns:a="http://schemas.openxmlformats.org/drawingml/2006/main" xmlns:r="http://schemas.openxmlformats.org/officeDocument/2006/relationships" xmlns:p="http://schemas.openxmlformats.org/presentationml/2006/main" showMasterSp="0" type="objTx" preserve="1">
   <p:cSld name="Content with Caption">
     <p:spTree>
       <p:nvGrpSpPr>
@@ -2178,31 +2411,72 @@
       </p:grpSpPr>
       <p:sp>
         <p:nvSpPr>
-          <p:cNvPr id="2" name="Title 1">
-            <a:extLst>
-              <a:ext uri="{FF2B5EF4-FFF2-40B4-BE49-F238E27FC236}">
-                <a16:creationId xmlns:a16="http://schemas.microsoft.com/office/drawing/2014/main" id="{FC714420-99C4-4F09-8E11-6CF4AA2F247E}"/>
-              </a:ext>
-            </a:extLst>
-          </p:cNvPr>
-          <p:cNvSpPr>
-            <a:spLocks noGrp="1"/>
-          </p:cNvSpPr>
-          <p:nvPr>
-            <p:ph type="title"/>
-          </p:nvPr>
+          <p:cNvPr id="8" name="Rectangle 7" title="Background Shape"/>
+          <p:cNvSpPr/>
+          <p:nvPr/>
         </p:nvSpPr>
         <p:spPr>
           <a:xfrm>
-            <a:off x="839788" y="457200"/>
-            <a:ext cx="3932237" cy="1600200"/>
+            <a:off x="0" y="376"/>
+            <a:ext cx="5303520" cy="6857624"/>
+          </a:xfrm>
+          <a:prstGeom prst="rect">
+            <a:avLst/>
+          </a:prstGeom>
+          <a:solidFill>
+            <a:schemeClr val="accent1"/>
+          </a:solidFill>
+          <a:ln>
+            <a:noFill/>
+          </a:ln>
+        </p:spPr>
+        <p:style>
+          <a:lnRef idx="2">
+            <a:schemeClr val="accent1">
+              <a:shade val="50000"/>
+            </a:schemeClr>
+          </a:lnRef>
+          <a:fillRef idx="1">
+            <a:schemeClr val="accent1"/>
+          </a:fillRef>
+          <a:effectRef idx="0">
+            <a:schemeClr val="accent1"/>
+          </a:effectRef>
+          <a:fontRef idx="minor">
+            <a:schemeClr val="lt1"/>
+          </a:fontRef>
+        </p:style>
+      </p:sp>
+      <p:sp>
+        <p:nvSpPr>
+          <p:cNvPr id="2" name="Title 1"/>
+          <p:cNvSpPr>
+            <a:spLocks noGrp="1"/>
+          </p:cNvSpPr>
+          <p:nvPr>
+            <p:ph type="title"/>
+          </p:nvPr>
+        </p:nvSpPr>
+        <p:spPr>
+          <a:xfrm>
+            <a:off x="723900" y="685800"/>
+            <a:ext cx="3855720" cy="2157884"/>
           </a:xfrm>
         </p:spPr>
         <p:txBody>
-          <a:bodyPr anchor="b"/>
+          <a:bodyPr anchor="t">
+            <a:noAutofit/>
+          </a:bodyPr>
           <a:lstStyle>
             <a:lvl1pPr>
-              <a:defRPr sz="3200"/>
+              <a:lnSpc>
+                <a:spcPct val="84000"/>
+              </a:lnSpc>
+              <a:defRPr sz="4800" baseline="0">
+                <a:solidFill>
+                  <a:schemeClr val="tx2"/>
+                </a:solidFill>
+              </a:defRPr>
             </a:lvl1pPr>
           </a:lstStyle>
           <a:p>
@@ -2210,19 +2484,13 @@
               <a:rPr lang="en-US"/>
               <a:t>Click to edit Master title style</a:t>
             </a:r>
-            <a:endParaRPr lang="en-SG"/>
-          </a:p>
-        </p:txBody>
-      </p:sp>
-      <p:sp>
-        <p:nvSpPr>
-          <p:cNvPr id="3" name="Content Placeholder 2">
-            <a:extLst>
-              <a:ext uri="{FF2B5EF4-FFF2-40B4-BE49-F238E27FC236}">
-                <a16:creationId xmlns:a16="http://schemas.microsoft.com/office/drawing/2014/main" id="{85468187-501A-4266-B654-522E46BE0F6C}"/>
-              </a:ext>
-            </a:extLst>
-          </p:cNvPr>
+            <a:endParaRPr lang="en-US" dirty="0"/>
+          </a:p>
+        </p:txBody>
+      </p:sp>
+      <p:sp>
+        <p:nvSpPr>
+          <p:cNvPr id="3" name="Content Placeholder 2"/>
           <p:cNvSpPr>
             <a:spLocks noGrp="1"/>
           </p:cNvSpPr>
@@ -2232,39 +2500,39 @@
         </p:nvSpPr>
         <p:spPr>
           <a:xfrm>
-            <a:off x="5183188" y="987425"/>
-            <a:ext cx="6172200" cy="4873625"/>
+            <a:off x="6256020" y="685801"/>
+            <a:ext cx="5212080" cy="5175250"/>
           </a:xfrm>
         </p:spPr>
         <p:txBody>
           <a:bodyPr/>
           <a:lstStyle>
             <a:lvl1pPr>
-              <a:defRPr sz="3200"/>
+              <a:defRPr sz="2000"/>
             </a:lvl1pPr>
             <a:lvl2pPr>
-              <a:defRPr sz="2800"/>
+              <a:defRPr sz="2000"/>
             </a:lvl2pPr>
             <a:lvl3pPr>
-              <a:defRPr sz="2400"/>
+              <a:defRPr sz="1800"/>
             </a:lvl3pPr>
             <a:lvl4pPr>
-              <a:defRPr sz="2000"/>
+              <a:defRPr sz="1800"/>
             </a:lvl4pPr>
             <a:lvl5pPr>
-              <a:defRPr sz="2000"/>
+              <a:defRPr sz="1600"/>
             </a:lvl5pPr>
             <a:lvl6pPr>
-              <a:defRPr sz="2000"/>
+              <a:defRPr sz="1600"/>
             </a:lvl6pPr>
             <a:lvl7pPr>
-              <a:defRPr sz="2000"/>
+              <a:defRPr sz="1600"/>
             </a:lvl7pPr>
             <a:lvl8pPr>
-              <a:defRPr sz="2000"/>
+              <a:defRPr sz="1600"/>
             </a:lvl8pPr>
             <a:lvl9pPr>
-              <a:defRPr sz="2000"/>
+              <a:defRPr sz="1600"/>
             </a:lvl9pPr>
           </a:lstStyle>
           <a:p>
@@ -2301,19 +2569,13 @@
               <a:rPr lang="en-US"/>
               <a:t>Fifth level</a:t>
             </a:r>
-            <a:endParaRPr lang="en-SG"/>
-          </a:p>
-        </p:txBody>
-      </p:sp>
-      <p:sp>
-        <p:nvSpPr>
-          <p:cNvPr id="4" name="Text Placeholder 3">
-            <a:extLst>
-              <a:ext uri="{FF2B5EF4-FFF2-40B4-BE49-F238E27FC236}">
-                <a16:creationId xmlns:a16="http://schemas.microsoft.com/office/drawing/2014/main" id="{D70C8AD7-3923-4C5D-B6F2-865C6A9044E2}"/>
-              </a:ext>
-            </a:extLst>
-          </p:cNvPr>
+            <a:endParaRPr lang="en-US" dirty="0"/>
+          </a:p>
+        </p:txBody>
+      </p:sp>
+      <p:sp>
+        <p:nvSpPr>
+          <p:cNvPr id="4" name="Text Placeholder 3"/>
           <p:cNvSpPr>
             <a:spLocks noGrp="1"/>
           </p:cNvSpPr>
@@ -2323,14 +2585,23 @@
         </p:nvSpPr>
         <p:spPr>
           <a:xfrm>
-            <a:off x="839788" y="2057400"/>
-            <a:ext cx="3932237" cy="3811588"/>
+            <a:off x="723900" y="2856344"/>
+            <a:ext cx="3855720" cy="3011056"/>
           </a:xfrm>
         </p:spPr>
         <p:txBody>
           <a:bodyPr/>
           <a:lstStyle>
             <a:lvl1pPr marL="0" indent="0">
+              <a:lnSpc>
+                <a:spcPct val="113000"/>
+              </a:lnSpc>
+              <a:spcBef>
+                <a:spcPts val="0"/>
+              </a:spcBef>
+              <a:spcAft>
+                <a:spcPts val="1500"/>
+              </a:spcAft>
               <a:buNone/>
               <a:defRPr sz="1600"/>
             </a:lvl1pPr>
@@ -2378,13 +2649,7 @@
       </p:sp>
       <p:sp>
         <p:nvSpPr>
-          <p:cNvPr id="5" name="Date Placeholder 4">
-            <a:extLst>
-              <a:ext uri="{FF2B5EF4-FFF2-40B4-BE49-F238E27FC236}">
-                <a16:creationId xmlns:a16="http://schemas.microsoft.com/office/drawing/2014/main" id="{C427F0A9-7536-444B-88C8-EB39D63E06ED}"/>
-              </a:ext>
-            </a:extLst>
-          </p:cNvPr>
+          <p:cNvPr id="5" name="Date Placeholder 4"/>
           <p:cNvSpPr>
             <a:spLocks noGrp="1"/>
           </p:cNvSpPr>
@@ -2392,10 +2657,23 @@
             <p:ph type="dt" sz="half" idx="10"/>
           </p:nvPr>
         </p:nvSpPr>
-        <p:spPr/>
-        <p:txBody>
-          <a:bodyPr/>
-          <a:lstStyle/>
+        <p:spPr>
+          <a:xfrm>
+            <a:off x="723900" y="6453386"/>
+            <a:ext cx="1204572" cy="404614"/>
+          </a:xfrm>
+        </p:spPr>
+        <p:txBody>
+          <a:bodyPr/>
+          <a:lstStyle>
+            <a:lvl1pPr>
+              <a:defRPr>
+                <a:solidFill>
+                  <a:schemeClr val="tx2"/>
+                </a:solidFill>
+              </a:defRPr>
+            </a:lvl1pPr>
+          </a:lstStyle>
           <a:p>
             <a:fld id="{CB7F89C8-3D12-43AC-9B8D-BAAB3C769E52}" type="datetimeFigureOut">
               <a:rPr lang="en-SG" smtClean="0"/>
@@ -2407,13 +2685,7 @@
       </p:sp>
       <p:sp>
         <p:nvSpPr>
-          <p:cNvPr id="6" name="Footer Placeholder 5">
-            <a:extLst>
-              <a:ext uri="{FF2B5EF4-FFF2-40B4-BE49-F238E27FC236}">
-                <a16:creationId xmlns:a16="http://schemas.microsoft.com/office/drawing/2014/main" id="{8119F235-8A4D-4F1C-B502-C37E26D54B53}"/>
-              </a:ext>
-            </a:extLst>
-          </p:cNvPr>
+          <p:cNvPr id="6" name="Footer Placeholder 5"/>
           <p:cNvSpPr>
             <a:spLocks noGrp="1"/>
           </p:cNvSpPr>
@@ -2421,10 +2693,23 @@
             <p:ph type="ftr" sz="quarter" idx="11"/>
           </p:nvPr>
         </p:nvSpPr>
-        <p:spPr/>
-        <p:txBody>
-          <a:bodyPr/>
-          <a:lstStyle/>
+        <p:spPr>
+          <a:xfrm>
+            <a:off x="2205945" y="6453386"/>
+            <a:ext cx="2373675" cy="404614"/>
+          </a:xfrm>
+        </p:spPr>
+        <p:txBody>
+          <a:bodyPr/>
+          <a:lstStyle>
+            <a:lvl1pPr>
+              <a:defRPr>
+                <a:solidFill>
+                  <a:schemeClr val="tx2"/>
+                </a:solidFill>
+              </a:defRPr>
+            </a:lvl1pPr>
+          </a:lstStyle>
           <a:p>
             <a:endParaRPr lang="en-SG"/>
           </a:p>
@@ -2432,13 +2717,7 @@
       </p:sp>
       <p:sp>
         <p:nvSpPr>
-          <p:cNvPr id="7" name="Slide Number Placeholder 6">
-            <a:extLst>
-              <a:ext uri="{FF2B5EF4-FFF2-40B4-BE49-F238E27FC236}">
-                <a16:creationId xmlns:a16="http://schemas.microsoft.com/office/drawing/2014/main" id="{9A341F02-1A4A-4E0C-A53E-70F6509B9949}"/>
-              </a:ext>
-            </a:extLst>
-          </p:cNvPr>
+          <p:cNvPr id="7" name="Slide Number Placeholder 6"/>
           <p:cNvSpPr>
             <a:spLocks noGrp="1"/>
           </p:cNvSpPr>
@@ -2446,10 +2725,23 @@
             <p:ph type="sldNum" sz="quarter" idx="12"/>
           </p:nvPr>
         </p:nvSpPr>
-        <p:spPr/>
-        <p:txBody>
-          <a:bodyPr/>
-          <a:lstStyle/>
+        <p:spPr>
+          <a:xfrm>
+            <a:off x="9883140" y="6453386"/>
+            <a:ext cx="1596292" cy="404614"/>
+          </a:xfrm>
+        </p:spPr>
+        <p:txBody>
+          <a:bodyPr/>
+          <a:lstStyle>
+            <a:lvl1pPr>
+              <a:defRPr>
+                <a:solidFill>
+                  <a:schemeClr val="tx2"/>
+                </a:solidFill>
+              </a:defRPr>
+            </a:lvl1pPr>
+          </a:lstStyle>
           <a:p>
             <a:fld id="{5426A309-49F9-4663-A47A-43B55757E10D}" type="slidenum">
               <a:rPr lang="en-SG" smtClean="0"/>
@@ -2459,10 +2751,48 @@
           </a:p>
         </p:txBody>
       </p:sp>
+      <p:sp>
+        <p:nvSpPr>
+          <p:cNvPr id="9" name="Rectangle 8" title="Divider Bar"/>
+          <p:cNvSpPr/>
+          <p:nvPr/>
+        </p:nvSpPr>
+        <p:spPr>
+          <a:xfrm>
+            <a:off x="5303520" y="376"/>
+            <a:ext cx="228600" cy="6858000"/>
+          </a:xfrm>
+          <a:prstGeom prst="rect">
+            <a:avLst/>
+          </a:prstGeom>
+          <a:solidFill>
+            <a:schemeClr val="tx2"/>
+          </a:solidFill>
+          <a:ln>
+            <a:noFill/>
+          </a:ln>
+        </p:spPr>
+        <p:style>
+          <a:lnRef idx="2">
+            <a:schemeClr val="accent1">
+              <a:shade val="50000"/>
+            </a:schemeClr>
+          </a:lnRef>
+          <a:fillRef idx="1">
+            <a:schemeClr val="accent1"/>
+          </a:fillRef>
+          <a:effectRef idx="0">
+            <a:schemeClr val="accent1"/>
+          </a:effectRef>
+          <a:fontRef idx="minor">
+            <a:schemeClr val="lt1"/>
+          </a:fontRef>
+        </p:style>
+      </p:sp>
     </p:spTree>
     <p:extLst>
       <p:ext uri="{BB962C8B-B14F-4D97-AF65-F5344CB8AC3E}">
-        <p14:creationId xmlns:p14="http://schemas.microsoft.com/office/powerpoint/2010/main" val="1734102688"/>
+        <p14:creationId xmlns:p14="http://schemas.microsoft.com/office/powerpoint/2010/main" val="420879777"/>
       </p:ext>
     </p:extLst>
   </p:cSld>
@@ -2473,7 +2803,7 @@
 </file>
 
 <file path=ppt/slideLayouts/slideLayout9.xml><?xml version="1.0" encoding="utf-8"?>
-<p:sldLayout xmlns:a="http://schemas.openxmlformats.org/drawingml/2006/main" xmlns:r="http://schemas.openxmlformats.org/officeDocument/2006/relationships" xmlns:p="http://schemas.openxmlformats.org/presentationml/2006/main" type="picTx" preserve="1">
+<p:sldLayout xmlns:a="http://schemas.openxmlformats.org/drawingml/2006/main" xmlns:r="http://schemas.openxmlformats.org/officeDocument/2006/relationships" xmlns:p="http://schemas.openxmlformats.org/presentationml/2006/main" showMasterSp="0" type="picTx" preserve="1">
   <p:cSld name="Picture with Caption">
     <p:spTree>
       <p:nvGrpSpPr>
@@ -2491,31 +2821,68 @@
       </p:grpSpPr>
       <p:sp>
         <p:nvSpPr>
-          <p:cNvPr id="2" name="Title 1">
-            <a:extLst>
-              <a:ext uri="{FF2B5EF4-FFF2-40B4-BE49-F238E27FC236}">
-                <a16:creationId xmlns:a16="http://schemas.microsoft.com/office/drawing/2014/main" id="{6110D0A7-638E-41AE-82E8-28EE63DEE532}"/>
-              </a:ext>
-            </a:extLst>
-          </p:cNvPr>
-          <p:cNvSpPr>
-            <a:spLocks noGrp="1"/>
-          </p:cNvSpPr>
-          <p:nvPr>
-            <p:ph type="title"/>
-          </p:nvPr>
+          <p:cNvPr id="8" name="Rectangle 7" title="Background Shape"/>
+          <p:cNvSpPr/>
+          <p:nvPr/>
         </p:nvSpPr>
         <p:spPr>
           <a:xfrm>
-            <a:off x="839788" y="457200"/>
-            <a:ext cx="3932237" cy="1600200"/>
+            <a:off x="0" y="376"/>
+            <a:ext cx="5303520" cy="6857624"/>
+          </a:xfrm>
+          <a:prstGeom prst="rect">
+            <a:avLst/>
+          </a:prstGeom>
+          <a:solidFill>
+            <a:schemeClr val="accent1"/>
+          </a:solidFill>
+          <a:ln>
+            <a:noFill/>
+          </a:ln>
+        </p:spPr>
+        <p:style>
+          <a:lnRef idx="2">
+            <a:schemeClr val="accent1">
+              <a:shade val="50000"/>
+            </a:schemeClr>
+          </a:lnRef>
+          <a:fillRef idx="1">
+            <a:schemeClr val="accent1"/>
+          </a:fillRef>
+          <a:effectRef idx="0">
+            <a:schemeClr val="accent1"/>
+          </a:effectRef>
+          <a:fontRef idx="minor">
+            <a:schemeClr val="lt1"/>
+          </a:fontRef>
+        </p:style>
+      </p:sp>
+      <p:sp>
+        <p:nvSpPr>
+          <p:cNvPr id="2" name="Title 1"/>
+          <p:cNvSpPr>
+            <a:spLocks noGrp="1"/>
+          </p:cNvSpPr>
+          <p:nvPr>
+            <p:ph type="title"/>
+          </p:nvPr>
+        </p:nvSpPr>
+        <p:spPr>
+          <a:xfrm>
+            <a:off x="723900" y="685800"/>
+            <a:ext cx="3855720" cy="2157884"/>
           </a:xfrm>
         </p:spPr>
         <p:txBody>
-          <a:bodyPr anchor="b"/>
+          <a:bodyPr anchor="t">
+            <a:normAutofit/>
+          </a:bodyPr>
           <a:lstStyle>
             <a:lvl1pPr>
-              <a:defRPr sz="3200"/>
+              <a:lnSpc>
+                <a:spcPct val="84000"/>
+              </a:lnSpc>
+              <a:defRPr sz="4800" baseline="0"/>
             </a:lvl1pPr>
           </a:lstStyle>
           <a:p>
@@ -2523,21 +2890,15 @@
               <a:rPr lang="en-US"/>
               <a:t>Click to edit Master title style</a:t>
             </a:r>
-            <a:endParaRPr lang="en-SG"/>
-          </a:p>
-        </p:txBody>
-      </p:sp>
-      <p:sp>
-        <p:nvSpPr>
-          <p:cNvPr id="3" name="Picture Placeholder 2">
-            <a:extLst>
-              <a:ext uri="{FF2B5EF4-FFF2-40B4-BE49-F238E27FC236}">
-                <a16:creationId xmlns:a16="http://schemas.microsoft.com/office/drawing/2014/main" id="{2A2BE1DD-8AF4-43D7-B4D7-60AAE738ACA0}"/>
-              </a:ext>
-            </a:extLst>
-          </p:cNvPr>
-          <p:cNvSpPr>
-            <a:spLocks noGrp="1"/>
+            <a:endParaRPr lang="en-US" dirty="0"/>
+          </a:p>
+        </p:txBody>
+      </p:sp>
+      <p:sp>
+        <p:nvSpPr>
+          <p:cNvPr id="3" name="Picture Placeholder 2"/>
+          <p:cNvSpPr>
+            <a:spLocks noGrp="1" noChangeAspect="1"/>
           </p:cNvSpPr>
           <p:nvPr>
             <p:ph type="pic" idx="1"/>
@@ -2545,24 +2906,26 @@
         </p:nvSpPr>
         <p:spPr>
           <a:xfrm>
-            <a:off x="5183188" y="987425"/>
-            <a:ext cx="6172200" cy="4873625"/>
+            <a:off x="5532120" y="0"/>
+            <a:ext cx="6659880" cy="6857999"/>
           </a:xfrm>
         </p:spPr>
         <p:txBody>
-          <a:bodyPr/>
+          <a:bodyPr anchor="t">
+            <a:normAutofit/>
+          </a:bodyPr>
           <a:lstStyle>
             <a:lvl1pPr marL="0" indent="0">
               <a:buNone/>
-              <a:defRPr sz="3200"/>
+              <a:defRPr sz="2000"/>
             </a:lvl1pPr>
             <a:lvl2pPr marL="457200" indent="0">
               <a:buNone/>
-              <a:defRPr sz="2800"/>
+              <a:defRPr sz="2000"/>
             </a:lvl2pPr>
             <a:lvl3pPr marL="914400" indent="0">
               <a:buNone/>
-              <a:defRPr sz="2400"/>
+              <a:defRPr sz="2000"/>
             </a:lvl3pPr>
             <a:lvl4pPr marL="1371600" indent="0">
               <a:buNone/>
@@ -2590,19 +2953,17 @@
             </a:lvl9pPr>
           </a:lstStyle>
           <a:p>
-            <a:endParaRPr lang="en-SG"/>
-          </a:p>
-        </p:txBody>
-      </p:sp>
-      <p:sp>
-        <p:nvSpPr>
-          <p:cNvPr id="4" name="Text Placeholder 3">
-            <a:extLst>
-              <a:ext uri="{FF2B5EF4-FFF2-40B4-BE49-F238E27FC236}">
-                <a16:creationId xmlns:a16="http://schemas.microsoft.com/office/drawing/2014/main" id="{448B94F5-CF89-45E6-A60A-0E162B40E7A8}"/>
-              </a:ext>
-            </a:extLst>
-          </p:cNvPr>
+            <a:r>
+              <a:rPr lang="en-US"/>
+              <a:t>Click icon to add picture</a:t>
+            </a:r>
+            <a:endParaRPr lang="en-US" dirty="0"/>
+          </a:p>
+        </p:txBody>
+      </p:sp>
+      <p:sp>
+        <p:nvSpPr>
+          <p:cNvPr id="4" name="Text Placeholder 3"/>
           <p:cNvSpPr>
             <a:spLocks noGrp="1"/>
           </p:cNvSpPr>
@@ -2612,14 +2973,23 @@
         </p:nvSpPr>
         <p:spPr>
           <a:xfrm>
-            <a:off x="839788" y="2057400"/>
-            <a:ext cx="3932237" cy="3811588"/>
+            <a:off x="723900" y="2855968"/>
+            <a:ext cx="3855720" cy="3011432"/>
           </a:xfrm>
         </p:spPr>
         <p:txBody>
           <a:bodyPr/>
           <a:lstStyle>
             <a:lvl1pPr marL="0" indent="0">
+              <a:lnSpc>
+                <a:spcPct val="113000"/>
+              </a:lnSpc>
+              <a:spcBef>
+                <a:spcPts val="0"/>
+              </a:spcBef>
+              <a:spcAft>
+                <a:spcPts val="1500"/>
+              </a:spcAft>
               <a:buNone/>
               <a:defRPr sz="1600"/>
             </a:lvl1pPr>
@@ -2667,13 +3037,7 @@
       </p:sp>
       <p:sp>
         <p:nvSpPr>
-          <p:cNvPr id="5" name="Date Placeholder 4">
-            <a:extLst>
-              <a:ext uri="{FF2B5EF4-FFF2-40B4-BE49-F238E27FC236}">
-                <a16:creationId xmlns:a16="http://schemas.microsoft.com/office/drawing/2014/main" id="{779350FB-B258-4478-A673-E25D60F09517}"/>
-              </a:ext>
-            </a:extLst>
-          </p:cNvPr>
+          <p:cNvPr id="5" name="Date Placeholder 4"/>
           <p:cNvSpPr>
             <a:spLocks noGrp="1"/>
           </p:cNvSpPr>
@@ -2681,10 +3045,23 @@
             <p:ph type="dt" sz="half" idx="10"/>
           </p:nvPr>
         </p:nvSpPr>
-        <p:spPr/>
-        <p:txBody>
-          <a:bodyPr/>
-          <a:lstStyle/>
+        <p:spPr>
+          <a:xfrm>
+            <a:off x="723900" y="6453386"/>
+            <a:ext cx="1204572" cy="404614"/>
+          </a:xfrm>
+        </p:spPr>
+        <p:txBody>
+          <a:bodyPr/>
+          <a:lstStyle>
+            <a:lvl1pPr>
+              <a:defRPr>
+                <a:solidFill>
+                  <a:schemeClr val="tx2"/>
+                </a:solidFill>
+              </a:defRPr>
+            </a:lvl1pPr>
+          </a:lstStyle>
           <a:p>
             <a:fld id="{CB7F89C8-3D12-43AC-9B8D-BAAB3C769E52}" type="datetimeFigureOut">
               <a:rPr lang="en-SG" smtClean="0"/>
@@ -2696,13 +3073,7 @@
       </p:sp>
       <p:sp>
         <p:nvSpPr>
-          <p:cNvPr id="6" name="Footer Placeholder 5">
-            <a:extLst>
-              <a:ext uri="{FF2B5EF4-FFF2-40B4-BE49-F238E27FC236}">
-                <a16:creationId xmlns:a16="http://schemas.microsoft.com/office/drawing/2014/main" id="{43FC9719-7BAC-4112-A0EA-1A0F538BAB8B}"/>
-              </a:ext>
-            </a:extLst>
-          </p:cNvPr>
+          <p:cNvPr id="6" name="Footer Placeholder 5"/>
           <p:cNvSpPr>
             <a:spLocks noGrp="1"/>
           </p:cNvSpPr>
@@ -2710,10 +3081,23 @@
             <p:ph type="ftr" sz="quarter" idx="11"/>
           </p:nvPr>
         </p:nvSpPr>
-        <p:spPr/>
-        <p:txBody>
-          <a:bodyPr/>
-          <a:lstStyle/>
+        <p:spPr>
+          <a:xfrm>
+            <a:off x="2205945" y="6453386"/>
+            <a:ext cx="2373675" cy="404614"/>
+          </a:xfrm>
+        </p:spPr>
+        <p:txBody>
+          <a:bodyPr/>
+          <a:lstStyle>
+            <a:lvl1pPr>
+              <a:defRPr>
+                <a:solidFill>
+                  <a:schemeClr val="tx2"/>
+                </a:solidFill>
+              </a:defRPr>
+            </a:lvl1pPr>
+          </a:lstStyle>
           <a:p>
             <a:endParaRPr lang="en-SG"/>
           </a:p>
@@ -2721,13 +3105,7 @@
       </p:sp>
       <p:sp>
         <p:nvSpPr>
-          <p:cNvPr id="7" name="Slide Number Placeholder 6">
-            <a:extLst>
-              <a:ext uri="{FF2B5EF4-FFF2-40B4-BE49-F238E27FC236}">
-                <a16:creationId xmlns:a16="http://schemas.microsoft.com/office/drawing/2014/main" id="{149A8275-9197-4F5C-A6D7-E61FF42DD6C5}"/>
-              </a:ext>
-            </a:extLst>
-          </p:cNvPr>
+          <p:cNvPr id="7" name="Slide Number Placeholder 6"/>
           <p:cNvSpPr>
             <a:spLocks noGrp="1"/>
           </p:cNvSpPr>
@@ -2735,10 +3113,23 @@
             <p:ph type="sldNum" sz="quarter" idx="12"/>
           </p:nvPr>
         </p:nvSpPr>
-        <p:spPr/>
-        <p:txBody>
-          <a:bodyPr/>
-          <a:lstStyle/>
+        <p:spPr>
+          <a:xfrm>
+            <a:off x="9883140" y="6453386"/>
+            <a:ext cx="1596292" cy="404614"/>
+          </a:xfrm>
+        </p:spPr>
+        <p:txBody>
+          <a:bodyPr/>
+          <a:lstStyle>
+            <a:lvl1pPr>
+              <a:defRPr>
+                <a:solidFill>
+                  <a:schemeClr val="tx2"/>
+                </a:solidFill>
+              </a:defRPr>
+            </a:lvl1pPr>
+          </a:lstStyle>
           <a:p>
             <a:fld id="{5426A309-49F9-4663-A47A-43B55757E10D}" type="slidenum">
               <a:rPr lang="en-SG" smtClean="0"/>
@@ -2748,10 +3139,48 @@
           </a:p>
         </p:txBody>
       </p:sp>
+      <p:sp>
+        <p:nvSpPr>
+          <p:cNvPr id="9" name="Rectangle 8" title="Divider Bar"/>
+          <p:cNvSpPr/>
+          <p:nvPr/>
+        </p:nvSpPr>
+        <p:spPr>
+          <a:xfrm>
+            <a:off x="5303520" y="376"/>
+            <a:ext cx="228600" cy="6858000"/>
+          </a:xfrm>
+          <a:prstGeom prst="rect">
+            <a:avLst/>
+          </a:prstGeom>
+          <a:solidFill>
+            <a:schemeClr val="tx2"/>
+          </a:solidFill>
+          <a:ln>
+            <a:noFill/>
+          </a:ln>
+        </p:spPr>
+        <p:style>
+          <a:lnRef idx="2">
+            <a:schemeClr val="accent1">
+              <a:shade val="50000"/>
+            </a:schemeClr>
+          </a:lnRef>
+          <a:fillRef idx="1">
+            <a:schemeClr val="accent1"/>
+          </a:fillRef>
+          <a:effectRef idx="0">
+            <a:schemeClr val="accent1"/>
+          </a:effectRef>
+          <a:fontRef idx="minor">
+            <a:schemeClr val="lt1"/>
+          </a:fontRef>
+        </p:style>
+      </p:sp>
     </p:spTree>
     <p:extLst>
       <p:ext uri="{BB962C8B-B14F-4D97-AF65-F5344CB8AC3E}">
-        <p14:creationId xmlns:p14="http://schemas.microsoft.com/office/powerpoint/2010/main" val="2153157889"/>
+        <p14:creationId xmlns:p14="http://schemas.microsoft.com/office/powerpoint/2010/main" val="4044053054"/>
       </p:ext>
     </p:extLst>
   </p:cSld>
@@ -2765,9 +3194,12 @@
 <p:sldMaster xmlns:a="http://schemas.openxmlformats.org/drawingml/2006/main" xmlns:r="http://schemas.openxmlformats.org/officeDocument/2006/relationships" xmlns:p="http://schemas.openxmlformats.org/presentationml/2006/main">
   <p:cSld>
     <p:bg>
-      <p:bgRef idx="1001">
-        <a:schemeClr val="bg1"/>
-      </p:bgRef>
+      <p:bgPr>
+        <a:solidFill>
+          <a:schemeClr val="bg2"/>
+        </a:solidFill>
+        <a:effectLst/>
+      </p:bgPr>
     </p:bg>
     <p:spTree>
       <p:nvGrpSpPr>
@@ -2785,13 +3217,7 @@
       </p:grpSpPr>
       <p:sp>
         <p:nvSpPr>
-          <p:cNvPr id="2" name="Title Placeholder 1">
-            <a:extLst>
-              <a:ext uri="{FF2B5EF4-FFF2-40B4-BE49-F238E27FC236}">
-                <a16:creationId xmlns:a16="http://schemas.microsoft.com/office/drawing/2014/main" id="{116026AB-68D7-4345-A830-BB8A3BE661D5}"/>
-              </a:ext>
-            </a:extLst>
-          </p:cNvPr>
+          <p:cNvPr id="2" name="Title Placeholder 1"/>
           <p:cNvSpPr>
             <a:spLocks noGrp="1"/>
           </p:cNvSpPr>
@@ -2801,15 +3227,15 @@
         </p:nvSpPr>
         <p:spPr>
           <a:xfrm>
-            <a:off x="838200" y="365125"/>
-            <a:ext cx="10515600" cy="1325563"/>
+            <a:off x="1371600" y="685800"/>
+            <a:ext cx="9601200" cy="1485900"/>
           </a:xfrm>
           <a:prstGeom prst="rect">
             <a:avLst/>
           </a:prstGeom>
         </p:spPr>
         <p:txBody>
-          <a:bodyPr vert="horz" lIns="91440" tIns="45720" rIns="91440" bIns="45720" rtlCol="0" anchor="ctr">
+          <a:bodyPr vert="horz" lIns="91440" tIns="45720" rIns="91440" bIns="45720" rtlCol="0" anchor="t">
             <a:normAutofit/>
           </a:bodyPr>
           <a:lstStyle/>
@@ -2818,19 +3244,13 @@
               <a:rPr lang="en-US"/>
               <a:t>Click to edit Master title style</a:t>
             </a:r>
-            <a:endParaRPr lang="en-SG"/>
-          </a:p>
-        </p:txBody>
-      </p:sp>
-      <p:sp>
-        <p:nvSpPr>
-          <p:cNvPr id="3" name="Text Placeholder 2">
-            <a:extLst>
-              <a:ext uri="{FF2B5EF4-FFF2-40B4-BE49-F238E27FC236}">
-                <a16:creationId xmlns:a16="http://schemas.microsoft.com/office/drawing/2014/main" id="{732BC3D7-FF3E-4C0D-BAE1-24296485D6CB}"/>
-              </a:ext>
-            </a:extLst>
-          </p:cNvPr>
+            <a:endParaRPr lang="en-US" dirty="0"/>
+          </a:p>
+        </p:txBody>
+      </p:sp>
+      <p:sp>
+        <p:nvSpPr>
+          <p:cNvPr id="3" name="Text Placeholder 2"/>
           <p:cNvSpPr>
             <a:spLocks noGrp="1"/>
           </p:cNvSpPr>
@@ -2840,8 +3260,8 @@
         </p:nvSpPr>
         <p:spPr>
           <a:xfrm>
-            <a:off x="838200" y="1825625"/>
-            <a:ext cx="10515600" cy="4351338"/>
+            <a:off x="1371600" y="2286000"/>
+            <a:ext cx="9601200" cy="3581400"/>
           </a:xfrm>
           <a:prstGeom prst="rect">
             <a:avLst/>
@@ -2886,19 +3306,13 @@
               <a:rPr lang="en-US"/>
               <a:t>Fifth level</a:t>
             </a:r>
-            <a:endParaRPr lang="en-SG"/>
-          </a:p>
-        </p:txBody>
-      </p:sp>
-      <p:sp>
-        <p:nvSpPr>
-          <p:cNvPr id="4" name="Date Placeholder 3">
-            <a:extLst>
-              <a:ext uri="{FF2B5EF4-FFF2-40B4-BE49-F238E27FC236}">
-                <a16:creationId xmlns:a16="http://schemas.microsoft.com/office/drawing/2014/main" id="{CD0FEFA0-DA90-453E-B342-38AB5E9532F1}"/>
-              </a:ext>
-            </a:extLst>
-          </p:cNvPr>
+            <a:endParaRPr lang="en-US" dirty="0"/>
+          </a:p>
+        </p:txBody>
+      </p:sp>
+      <p:sp>
+        <p:nvSpPr>
+          <p:cNvPr id="4" name="Date Placeholder 3"/>
           <p:cNvSpPr>
             <a:spLocks noGrp="1"/>
           </p:cNvSpPr>
@@ -2908,8 +3322,8 @@
         </p:nvSpPr>
         <p:spPr>
           <a:xfrm>
-            <a:off x="838200" y="6356350"/>
-            <a:ext cx="2743200" cy="365125"/>
+            <a:off x="1390650" y="6453386"/>
+            <a:ext cx="1204572" cy="404614"/>
           </a:xfrm>
           <a:prstGeom prst="rect">
             <a:avLst/>
@@ -2919,11 +3333,9 @@
           <a:bodyPr vert="horz" lIns="91440" tIns="45720" rIns="91440" bIns="45720" rtlCol="0" anchor="ctr"/>
           <a:lstStyle>
             <a:lvl1pPr algn="l">
-              <a:defRPr sz="1200">
+              <a:defRPr sz="1200" baseline="0">
                 <a:solidFill>
-                  <a:schemeClr val="tx1">
-                    <a:tint val="75000"/>
-                  </a:schemeClr>
+                  <a:schemeClr val="tx2"/>
                 </a:solidFill>
               </a:defRPr>
             </a:lvl1pPr>
@@ -2939,13 +3351,7 @@
       </p:sp>
       <p:sp>
         <p:nvSpPr>
-          <p:cNvPr id="5" name="Footer Placeholder 4">
-            <a:extLst>
-              <a:ext uri="{FF2B5EF4-FFF2-40B4-BE49-F238E27FC236}">
-                <a16:creationId xmlns:a16="http://schemas.microsoft.com/office/drawing/2014/main" id="{1629CDE9-9BE0-42B0-AE7A-E7AFA1764D00}"/>
-              </a:ext>
-            </a:extLst>
-          </p:cNvPr>
+          <p:cNvPr id="5" name="Footer Placeholder 4"/>
           <p:cNvSpPr>
             <a:spLocks noGrp="1"/>
           </p:cNvSpPr>
@@ -2955,8 +3361,8 @@
         </p:nvSpPr>
         <p:spPr>
           <a:xfrm>
-            <a:off x="4038600" y="6356350"/>
-            <a:ext cx="4114800" cy="365125"/>
+            <a:off x="2893564" y="6453386"/>
+            <a:ext cx="6280830" cy="404614"/>
           </a:xfrm>
           <a:prstGeom prst="rect">
             <a:avLst/>
@@ -2965,12 +3371,10 @@
         <p:txBody>
           <a:bodyPr vert="horz" lIns="91440" tIns="45720" rIns="91440" bIns="45720" rtlCol="0" anchor="ctr"/>
           <a:lstStyle>
-            <a:lvl1pPr algn="ctr">
-              <a:defRPr sz="1200">
+            <a:lvl1pPr algn="l">
+              <a:defRPr sz="1200" baseline="0">
                 <a:solidFill>
-                  <a:schemeClr val="tx1">
-                    <a:tint val="75000"/>
-                  </a:schemeClr>
+                  <a:schemeClr val="tx2"/>
                 </a:solidFill>
               </a:defRPr>
             </a:lvl1pPr>
@@ -2982,13 +3386,7 @@
       </p:sp>
       <p:sp>
         <p:nvSpPr>
-          <p:cNvPr id="6" name="Slide Number Placeholder 5">
-            <a:extLst>
-              <a:ext uri="{FF2B5EF4-FFF2-40B4-BE49-F238E27FC236}">
-                <a16:creationId xmlns:a16="http://schemas.microsoft.com/office/drawing/2014/main" id="{0B22C401-00BB-4E3F-8B6F-04391F7786ED}"/>
-              </a:ext>
-            </a:extLst>
-          </p:cNvPr>
+          <p:cNvPr id="6" name="Slide Number Placeholder 5"/>
           <p:cNvSpPr>
             <a:spLocks noGrp="1"/>
           </p:cNvSpPr>
@@ -2998,8 +3396,8 @@
         </p:nvSpPr>
         <p:spPr>
           <a:xfrm>
-            <a:off x="8610600" y="6356350"/>
-            <a:ext cx="2743200" cy="365125"/>
+            <a:off x="9472736" y="6453386"/>
+            <a:ext cx="1596292" cy="404614"/>
           </a:xfrm>
           <a:prstGeom prst="rect">
             <a:avLst/>
@@ -3009,11 +3407,9 @@
           <a:bodyPr vert="horz" lIns="91440" tIns="45720" rIns="91440" bIns="45720" rtlCol="0" anchor="ctr"/>
           <a:lstStyle>
             <a:lvl1pPr algn="r">
-              <a:defRPr sz="1200">
+              <a:defRPr sz="1200" baseline="0">
                 <a:solidFill>
-                  <a:schemeClr val="tx1">
-                    <a:tint val="75000"/>
-                  </a:schemeClr>
+                  <a:schemeClr val="tx2"/>
                 </a:solidFill>
               </a:defRPr>
             </a:lvl1pPr>
@@ -3027,40 +3423,78 @@
           </a:p>
         </p:txBody>
       </p:sp>
+      <p:sp>
+        <p:nvSpPr>
+          <p:cNvPr id="9" name="Rectangle 8" title="Side bar"/>
+          <p:cNvSpPr/>
+          <p:nvPr/>
+        </p:nvSpPr>
+        <p:spPr>
+          <a:xfrm>
+            <a:off x="478095" y="376"/>
+            <a:ext cx="228600" cy="6858000"/>
+          </a:xfrm>
+          <a:prstGeom prst="rect">
+            <a:avLst/>
+          </a:prstGeom>
+          <a:solidFill>
+            <a:schemeClr val="tx2"/>
+          </a:solidFill>
+          <a:ln>
+            <a:noFill/>
+          </a:ln>
+        </p:spPr>
+        <p:style>
+          <a:lnRef idx="2">
+            <a:schemeClr val="accent1">
+              <a:shade val="50000"/>
+            </a:schemeClr>
+          </a:lnRef>
+          <a:fillRef idx="1">
+            <a:schemeClr val="accent1"/>
+          </a:fillRef>
+          <a:effectRef idx="0">
+            <a:schemeClr val="accent1"/>
+          </a:effectRef>
+          <a:fontRef idx="minor">
+            <a:schemeClr val="lt1"/>
+          </a:fontRef>
+        </p:style>
+      </p:sp>
     </p:spTree>
     <p:extLst>
       <p:ext uri="{BB962C8B-B14F-4D97-AF65-F5344CB8AC3E}">
-        <p14:creationId xmlns:p14="http://schemas.microsoft.com/office/powerpoint/2010/main" val="4225872492"/>
+        <p14:creationId xmlns:p14="http://schemas.microsoft.com/office/powerpoint/2010/main" val="325931039"/>
       </p:ext>
     </p:extLst>
   </p:cSld>
   <p:clrMap bg1="lt1" tx1="dk1" bg2="lt2" tx2="dk2" accent1="accent1" accent2="accent2" accent3="accent3" accent4="accent4" accent5="accent5" accent6="accent6" hlink="hlink" folHlink="folHlink"/>
   <p:sldLayoutIdLst>
-    <p:sldLayoutId id="2147483649" r:id="rId1"/>
-    <p:sldLayoutId id="2147483650" r:id="rId2"/>
-    <p:sldLayoutId id="2147483651" r:id="rId3"/>
-    <p:sldLayoutId id="2147483652" r:id="rId4"/>
-    <p:sldLayoutId id="2147483653" r:id="rId5"/>
-    <p:sldLayoutId id="2147483654" r:id="rId6"/>
-    <p:sldLayoutId id="2147483655" r:id="rId7"/>
-    <p:sldLayoutId id="2147483656" r:id="rId8"/>
-    <p:sldLayoutId id="2147483657" r:id="rId9"/>
-    <p:sldLayoutId id="2147483658" r:id="rId10"/>
-    <p:sldLayoutId id="2147483659" r:id="rId11"/>
+    <p:sldLayoutId id="2147483661" r:id="rId1"/>
+    <p:sldLayoutId id="2147483662" r:id="rId2"/>
+    <p:sldLayoutId id="2147483663" r:id="rId3"/>
+    <p:sldLayoutId id="2147483664" r:id="rId4"/>
+    <p:sldLayoutId id="2147483665" r:id="rId5"/>
+    <p:sldLayoutId id="2147483666" r:id="rId6"/>
+    <p:sldLayoutId id="2147483667" r:id="rId7"/>
+    <p:sldLayoutId id="2147483668" r:id="rId8"/>
+    <p:sldLayoutId id="2147483669" r:id="rId9"/>
+    <p:sldLayoutId id="2147483670" r:id="rId10"/>
+    <p:sldLayoutId id="2147483671" r:id="rId11"/>
   </p:sldLayoutIdLst>
   <p:txStyles>
     <p:titleStyle>
       <a:lvl1pPr algn="l" defTabSz="914400" rtl="0" eaLnBrk="1" latinLnBrk="0" hangingPunct="1">
         <a:lnSpc>
-          <a:spcPct val="90000"/>
+          <a:spcPct val="89000"/>
         </a:lnSpc>
         <a:spcBef>
           <a:spcPct val="0"/>
         </a:spcBef>
         <a:buNone/>
-        <a:defRPr sz="4400" kern="1200">
+        <a:defRPr sz="4400" kern="1200" baseline="0">
           <a:solidFill>
-            <a:schemeClr val="tx1"/>
+            <a:schemeClr val="tx2"/>
           </a:solidFill>
           <a:latin typeface="+mj-lt"/>
           <a:ea typeface="+mj-ea"/>
@@ -3069,162 +3503,189 @@
       </a:lvl1pPr>
     </p:titleStyle>
     <p:bodyStyle>
-      <a:lvl1pPr marL="228600" indent="-228600" algn="l" defTabSz="914400" rtl="0" eaLnBrk="1" latinLnBrk="0" hangingPunct="1">
+      <a:lvl1pPr marL="384048" indent="-384048" algn="l" defTabSz="914400" rtl="0" eaLnBrk="1" latinLnBrk="0" hangingPunct="1">
         <a:lnSpc>
-          <a:spcPct val="90000"/>
+          <a:spcPct val="94000"/>
         </a:lnSpc>
         <a:spcBef>
           <a:spcPts val="1000"/>
         </a:spcBef>
-        <a:buFont typeface="Arial" panose="020B0604020202020204" pitchFamily="34" charset="0"/>
-        <a:buChar char="•"/>
-        <a:defRPr sz="2800" kern="1200">
+        <a:spcAft>
+          <a:spcPts val="200"/>
+        </a:spcAft>
+        <a:buFont typeface="Franklin Gothic Book" panose="020B0503020102020204" pitchFamily="34" charset="0"/>
+        <a:buChar char="■"/>
+        <a:defRPr sz="2000" kern="1200" baseline="0">
           <a:solidFill>
-            <a:schemeClr val="tx1"/>
+            <a:schemeClr val="tx2"/>
           </a:solidFill>
           <a:latin typeface="+mn-lt"/>
           <a:ea typeface="+mn-ea"/>
           <a:cs typeface="+mn-cs"/>
         </a:defRPr>
       </a:lvl1pPr>
-      <a:lvl2pPr marL="685800" indent="-228600" algn="l" defTabSz="914400" rtl="0" eaLnBrk="1" latinLnBrk="0" hangingPunct="1">
+      <a:lvl2pPr marL="914400" indent="-384048" algn="l" defTabSz="914400" rtl="0" eaLnBrk="1" latinLnBrk="0" hangingPunct="1">
         <a:lnSpc>
-          <a:spcPct val="90000"/>
+          <a:spcPct val="94000"/>
         </a:lnSpc>
         <a:spcBef>
           <a:spcPts val="500"/>
         </a:spcBef>
-        <a:buFont typeface="Arial" panose="020B0604020202020204" pitchFamily="34" charset="0"/>
-        <a:buChar char="•"/>
-        <a:defRPr sz="2400" kern="1200">
+        <a:spcAft>
+          <a:spcPts val="200"/>
+        </a:spcAft>
+        <a:buFont typeface="Franklin Gothic Book" panose="020B0503020102020204" pitchFamily="34" charset="0"/>
+        <a:buChar char="–"/>
+        <a:defRPr sz="2000" i="1" kern="1200" baseline="0">
           <a:solidFill>
-            <a:schemeClr val="tx1"/>
+            <a:schemeClr val="tx2"/>
           </a:solidFill>
           <a:latin typeface="+mn-lt"/>
           <a:ea typeface="+mn-ea"/>
           <a:cs typeface="+mn-cs"/>
         </a:defRPr>
       </a:lvl2pPr>
-      <a:lvl3pPr marL="1143000" indent="-228600" algn="l" defTabSz="914400" rtl="0" eaLnBrk="1" latinLnBrk="0" hangingPunct="1">
+      <a:lvl3pPr marL="1371600" indent="-384048" algn="l" defTabSz="914400" rtl="0" eaLnBrk="1" latinLnBrk="0" hangingPunct="1">
         <a:lnSpc>
-          <a:spcPct val="90000"/>
+          <a:spcPct val="94000"/>
         </a:lnSpc>
         <a:spcBef>
           <a:spcPts val="500"/>
         </a:spcBef>
-        <a:buFont typeface="Arial" panose="020B0604020202020204" pitchFamily="34" charset="0"/>
-        <a:buChar char="•"/>
-        <a:defRPr sz="2000" kern="1200">
+        <a:spcAft>
+          <a:spcPts val="200"/>
+        </a:spcAft>
+        <a:buFont typeface="Franklin Gothic Book" panose="020B0503020102020204" pitchFamily="34" charset="0"/>
+        <a:buChar char="■"/>
+        <a:defRPr sz="1800" kern="1200" baseline="0">
           <a:solidFill>
-            <a:schemeClr val="tx1"/>
+            <a:schemeClr val="tx2"/>
           </a:solidFill>
           <a:latin typeface="+mn-lt"/>
           <a:ea typeface="+mn-ea"/>
           <a:cs typeface="+mn-cs"/>
         </a:defRPr>
       </a:lvl3pPr>
-      <a:lvl4pPr marL="1600200" indent="-228600" algn="l" defTabSz="914400" rtl="0" eaLnBrk="1" latinLnBrk="0" hangingPunct="1">
+      <a:lvl4pPr marL="1828800" indent="-384048" algn="l" defTabSz="914400" rtl="0" eaLnBrk="1" latinLnBrk="0" hangingPunct="1">
         <a:lnSpc>
-          <a:spcPct val="90000"/>
+          <a:spcPct val="94000"/>
         </a:lnSpc>
         <a:spcBef>
           <a:spcPts val="500"/>
         </a:spcBef>
-        <a:buFont typeface="Arial" panose="020B0604020202020204" pitchFamily="34" charset="0"/>
-        <a:buChar char="•"/>
-        <a:defRPr sz="1800" kern="1200">
+        <a:spcAft>
+          <a:spcPts val="200"/>
+        </a:spcAft>
+        <a:buFont typeface="Franklin Gothic Book" panose="020B0503020102020204" pitchFamily="34" charset="0"/>
+        <a:buChar char="–"/>
+        <a:defRPr sz="1800" i="1" kern="1200" baseline="0">
           <a:solidFill>
-            <a:schemeClr val="tx1"/>
+            <a:schemeClr val="tx2"/>
           </a:solidFill>
           <a:latin typeface="+mn-lt"/>
           <a:ea typeface="+mn-ea"/>
           <a:cs typeface="+mn-cs"/>
         </a:defRPr>
       </a:lvl4pPr>
-      <a:lvl5pPr marL="2057400" indent="-228600" algn="l" defTabSz="914400" rtl="0" eaLnBrk="1" latinLnBrk="0" hangingPunct="1">
+      <a:lvl5pPr marL="2286000" indent="-384048" algn="l" defTabSz="914400" rtl="0" eaLnBrk="1" latinLnBrk="0" hangingPunct="1">
         <a:lnSpc>
-          <a:spcPct val="90000"/>
+          <a:spcPct val="94000"/>
         </a:lnSpc>
         <a:spcBef>
           <a:spcPts val="500"/>
         </a:spcBef>
-        <a:buFont typeface="Arial" panose="020B0604020202020204" pitchFamily="34" charset="0"/>
-        <a:buChar char="•"/>
-        <a:defRPr sz="1800" kern="1200">
+        <a:spcAft>
+          <a:spcPts val="200"/>
+        </a:spcAft>
+        <a:buFont typeface="Franklin Gothic Book" panose="020B0503020102020204" pitchFamily="34" charset="0"/>
+        <a:buChar char="■"/>
+        <a:defRPr sz="1600" kern="1200" baseline="0">
           <a:solidFill>
-            <a:schemeClr val="tx1"/>
+            <a:schemeClr val="tx2"/>
           </a:solidFill>
           <a:latin typeface="+mn-lt"/>
           <a:ea typeface="+mn-ea"/>
           <a:cs typeface="+mn-cs"/>
         </a:defRPr>
       </a:lvl5pPr>
-      <a:lvl6pPr marL="2514600" indent="-228600" algn="l" defTabSz="914400" rtl="0" eaLnBrk="1" latinLnBrk="0" hangingPunct="1">
+      <a:lvl6pPr marL="2743200" indent="-384048" algn="l" defTabSz="914400" rtl="0" eaLnBrk="1" latinLnBrk="0" hangingPunct="1">
         <a:lnSpc>
-          <a:spcPct val="90000"/>
+          <a:spcPct val="94000"/>
         </a:lnSpc>
         <a:spcBef>
           <a:spcPts val="500"/>
         </a:spcBef>
-        <a:buFont typeface="Arial" panose="020B0604020202020204" pitchFamily="34" charset="0"/>
-        <a:buChar char="•"/>
-        <a:defRPr sz="1800" kern="1200">
+        <a:spcAft>
+          <a:spcPts val="200"/>
+        </a:spcAft>
+        <a:buFont typeface="Franklin Gothic Book" panose="020B0503020102020204" pitchFamily="34" charset="0"/>
+        <a:buChar char="–"/>
+        <a:defRPr sz="1600" i="1" kern="1200" baseline="0">
           <a:solidFill>
-            <a:schemeClr val="tx1"/>
+            <a:schemeClr val="tx2"/>
           </a:solidFill>
           <a:latin typeface="+mn-lt"/>
           <a:ea typeface="+mn-ea"/>
           <a:cs typeface="+mn-cs"/>
         </a:defRPr>
       </a:lvl6pPr>
-      <a:lvl7pPr marL="2971800" indent="-228600" algn="l" defTabSz="914400" rtl="0" eaLnBrk="1" latinLnBrk="0" hangingPunct="1">
+      <a:lvl7pPr marL="3200400" indent="-384048" algn="l" defTabSz="914400" rtl="0" eaLnBrk="1" latinLnBrk="0" hangingPunct="1">
         <a:lnSpc>
-          <a:spcPct val="90000"/>
+          <a:spcPct val="94000"/>
         </a:lnSpc>
         <a:spcBef>
           <a:spcPts val="500"/>
         </a:spcBef>
-        <a:buFont typeface="Arial" panose="020B0604020202020204" pitchFamily="34" charset="0"/>
-        <a:buChar char="•"/>
-        <a:defRPr sz="1800" kern="1200">
+        <a:spcAft>
+          <a:spcPts val="200"/>
+        </a:spcAft>
+        <a:buFont typeface="Franklin Gothic Book" panose="020B0503020102020204" pitchFamily="34" charset="0"/>
+        <a:buChar char="■"/>
+        <a:defRPr sz="1400" kern="1200" baseline="0">
           <a:solidFill>
-            <a:schemeClr val="tx1"/>
+            <a:schemeClr val="tx2"/>
           </a:solidFill>
           <a:latin typeface="+mn-lt"/>
           <a:ea typeface="+mn-ea"/>
           <a:cs typeface="+mn-cs"/>
         </a:defRPr>
       </a:lvl7pPr>
-      <a:lvl8pPr marL="3429000" indent="-228600" algn="l" defTabSz="914400" rtl="0" eaLnBrk="1" latinLnBrk="0" hangingPunct="1">
+      <a:lvl8pPr marL="3657600" indent="-384048" algn="l" defTabSz="914400" rtl="0" eaLnBrk="1" latinLnBrk="0" hangingPunct="1">
         <a:lnSpc>
-          <a:spcPct val="90000"/>
+          <a:spcPct val="94000"/>
         </a:lnSpc>
         <a:spcBef>
           <a:spcPts val="500"/>
         </a:spcBef>
-        <a:buFont typeface="Arial" panose="020B0604020202020204" pitchFamily="34" charset="0"/>
-        <a:buChar char="•"/>
-        <a:defRPr sz="1800" kern="1200">
+        <a:spcAft>
+          <a:spcPts val="200"/>
+        </a:spcAft>
+        <a:buFont typeface="Franklin Gothic Book" panose="020B0503020102020204" pitchFamily="34" charset="0"/>
+        <a:buChar char="–"/>
+        <a:defRPr sz="1400" i="1" kern="1200" baseline="0">
           <a:solidFill>
-            <a:schemeClr val="tx1"/>
+            <a:schemeClr val="tx2"/>
           </a:solidFill>
           <a:latin typeface="+mn-lt"/>
           <a:ea typeface="+mn-ea"/>
           <a:cs typeface="+mn-cs"/>
         </a:defRPr>
       </a:lvl8pPr>
-      <a:lvl9pPr marL="3886200" indent="-228600" algn="l" defTabSz="914400" rtl="0" eaLnBrk="1" latinLnBrk="0" hangingPunct="1">
+      <a:lvl9pPr marL="4114800" indent="-384048" algn="l" defTabSz="914400" rtl="0" eaLnBrk="1" latinLnBrk="0" hangingPunct="1">
         <a:lnSpc>
-          <a:spcPct val="90000"/>
+          <a:spcPct val="94000"/>
         </a:lnSpc>
         <a:spcBef>
           <a:spcPts val="500"/>
         </a:spcBef>
-        <a:buFont typeface="Arial" panose="020B0604020202020204" pitchFamily="34" charset="0"/>
-        <a:buChar char="•"/>
-        <a:defRPr sz="1800" kern="1200">
+        <a:spcAft>
+          <a:spcPts val="200"/>
+        </a:spcAft>
+        <a:buFont typeface="Franklin Gothic Book" panose="020B0503020102020204" pitchFamily="34" charset="0"/>
+        <a:buChar char="■"/>
+        <a:defRPr sz="1400" kern="1200" baseline="0">
           <a:solidFill>
-            <a:schemeClr val="tx1"/>
+            <a:schemeClr val="tx2"/>
           </a:solidFill>
           <a:latin typeface="+mn-lt"/>
           <a:ea typeface="+mn-ea"/>
@@ -3328,6 +3789,52 @@
       </a:lvl9pPr>
     </p:otherStyle>
   </p:txStyles>
+  <p:extLst>
+    <p:ext uri="{27BBF7A9-308A-43DC-89C8-2F10F3537804}">
+      <p15:sldGuideLst xmlns:p15="http://schemas.microsoft.com/office/powerpoint/2012/main">
+        <p15:guide id="3" orient="horz" pos="1368">
+          <p15:clr>
+            <a:srgbClr val="F26B43"/>
+          </p15:clr>
+        </p15:guide>
+        <p15:guide id="4" orient="horz" pos="1440">
+          <p15:clr>
+            <a:srgbClr val="F26B43"/>
+          </p15:clr>
+        </p15:guide>
+        <p15:guide id="6" orient="horz" pos="3696">
+          <p15:clr>
+            <a:srgbClr val="F26B43"/>
+          </p15:clr>
+        </p15:guide>
+        <p15:guide id="7" orient="horz" pos="432">
+          <p15:clr>
+            <a:srgbClr val="F26B43"/>
+          </p15:clr>
+        </p15:guide>
+        <p15:guide id="8" orient="horz" pos="1512">
+          <p15:clr>
+            <a:srgbClr val="F26B43"/>
+          </p15:clr>
+        </p15:guide>
+        <p15:guide id="9" pos="6912">
+          <p15:clr>
+            <a:srgbClr val="F26B43"/>
+          </p15:clr>
+        </p15:guide>
+        <p15:guide id="10" pos="936">
+          <p15:clr>
+            <a:srgbClr val="F26B43"/>
+          </p15:clr>
+        </p15:guide>
+        <p15:guide id="11" pos="864">
+          <p15:clr>
+            <a:srgbClr val="F26B43"/>
+          </p15:clr>
+        </p15:guide>
+      </p15:sldGuideLst>
+    </p:ext>
+  </p:extLst>
 </p:sldMaster>
 </file>
 
@@ -3405,6 +3912,98 @@
     <p:extLst>
       <p:ext uri="{BB962C8B-B14F-4D97-AF65-F5344CB8AC3E}">
         <p14:creationId xmlns:p14="http://schemas.microsoft.com/office/powerpoint/2010/main" val="3913848525"/>
+      </p:ext>
+    </p:extLst>
+  </p:cSld>
+  <p:clrMapOvr>
+    <a:masterClrMapping/>
+  </p:clrMapOvr>
+</p:sld>
+</file>
+
+<file path=ppt/slides/slide10.xml><?xml version="1.0" encoding="utf-8"?>
+<p:sld xmlns:a="http://schemas.openxmlformats.org/drawingml/2006/main" xmlns:r="http://schemas.openxmlformats.org/officeDocument/2006/relationships" xmlns:p="http://schemas.openxmlformats.org/presentationml/2006/main">
+  <p:cSld>
+    <p:spTree>
+      <p:nvGrpSpPr>
+        <p:cNvPr id="1" name=""/>
+        <p:cNvGrpSpPr/>
+        <p:nvPr/>
+      </p:nvGrpSpPr>
+      <p:grpSpPr>
+        <a:xfrm>
+          <a:off x="0" y="0"/>
+          <a:ext cx="0" cy="0"/>
+          <a:chOff x="0" y="0"/>
+          <a:chExt cx="0" cy="0"/>
+        </a:xfrm>
+      </p:grpSpPr>
+      <p:sp>
+        <p:nvSpPr>
+          <p:cNvPr id="2" name="Title 1">
+            <a:extLst>
+              <a:ext uri="{FF2B5EF4-FFF2-40B4-BE49-F238E27FC236}">
+                <a16:creationId xmlns:a16="http://schemas.microsoft.com/office/drawing/2014/main" id="{F878B90F-E09E-487B-AF69-46694D2A9A19}"/>
+              </a:ext>
+            </a:extLst>
+          </p:cNvPr>
+          <p:cNvSpPr>
+            <a:spLocks noGrp="1"/>
+          </p:cNvSpPr>
+          <p:nvPr>
+            <p:ph type="title"/>
+          </p:nvPr>
+        </p:nvSpPr>
+        <p:spPr/>
+        <p:txBody>
+          <a:bodyPr/>
+          <a:lstStyle/>
+          <a:p>
+            <a:r>
+              <a:rPr lang="en-SG" dirty="0"/>
+              <a:t>Conclusion</a:t>
+            </a:r>
+          </a:p>
+        </p:txBody>
+      </p:sp>
+      <p:sp>
+        <p:nvSpPr>
+          <p:cNvPr id="3" name="Content Placeholder 2">
+            <a:extLst>
+              <a:ext uri="{FF2B5EF4-FFF2-40B4-BE49-F238E27FC236}">
+                <a16:creationId xmlns:a16="http://schemas.microsoft.com/office/drawing/2014/main" id="{43252269-5027-4F02-8CA3-6DD90254CCF0}"/>
+              </a:ext>
+            </a:extLst>
+          </p:cNvPr>
+          <p:cNvSpPr>
+            <a:spLocks noGrp="1"/>
+          </p:cNvSpPr>
+          <p:nvPr>
+            <p:ph idx="1"/>
+          </p:nvPr>
+        </p:nvSpPr>
+        <p:spPr/>
+        <p:txBody>
+          <a:bodyPr/>
+          <a:lstStyle/>
+          <a:p>
+            <a:r>
+              <a:rPr lang="en-SG" dirty="0"/>
+              <a:t> When opening a new restaurant , it is recommended to open near locations such as shopping malls, Gas stations</a:t>
+            </a:r>
+          </a:p>
+          <a:p>
+            <a:r>
+              <a:rPr lang="en-SG" dirty="0"/>
+              <a:t> As discussed in the discussion section, restaurants seem to be higher in population near city centre. So new restaurant owners can check the city centre first before considering other options</a:t>
+            </a:r>
+          </a:p>
+        </p:txBody>
+      </p:sp>
+    </p:spTree>
+    <p:extLst>
+      <p:ext uri="{BB962C8B-B14F-4D97-AF65-F5344CB8AC3E}">
+        <p14:creationId xmlns:p14="http://schemas.microsoft.com/office/powerpoint/2010/main" val="3580667905"/>
       </p:ext>
     </p:extLst>
   </p:cSld>
@@ -3433,10 +4032,10 @@
       </p:grpSpPr>
       <p:sp>
         <p:nvSpPr>
-          <p:cNvPr id="4" name="Title 3">
+          <p:cNvPr id="2" name="Title 1">
             <a:extLst>
               <a:ext uri="{FF2B5EF4-FFF2-40B4-BE49-F238E27FC236}">
-                <a16:creationId xmlns:a16="http://schemas.microsoft.com/office/drawing/2014/main" id="{010DB47A-99FA-42FE-B2FA-794575761354}"/>
+                <a16:creationId xmlns:a16="http://schemas.microsoft.com/office/drawing/2014/main" id="{A26D4A6A-D212-40E7-8398-24E4CC3215C6}"/>
               </a:ext>
             </a:extLst>
           </p:cNvPr>
@@ -3454,77 +4053,49 @@
           <a:p>
             <a:r>
               <a:rPr lang="en-SG" dirty="0"/>
-              <a:t>Distribution of Venues</a:t>
-            </a:r>
-          </a:p>
-        </p:txBody>
-      </p:sp>
-      <p:pic>
-        <p:nvPicPr>
-          <p:cNvPr id="7" name="Content Placeholder 6">
+              <a:t>Introduction</a:t>
+            </a:r>
+          </a:p>
+        </p:txBody>
+      </p:sp>
+      <p:sp>
+        <p:nvSpPr>
+          <p:cNvPr id="3" name="Content Placeholder 2">
             <a:extLst>
               <a:ext uri="{FF2B5EF4-FFF2-40B4-BE49-F238E27FC236}">
-                <a16:creationId xmlns:a16="http://schemas.microsoft.com/office/drawing/2014/main" id="{E2B48CE6-3C53-4420-9A4F-81973E814BB4}"/>
+                <a16:creationId xmlns:a16="http://schemas.microsoft.com/office/drawing/2014/main" id="{AB766DC7-3EDE-41C4-A2F7-B7CCC93CDC60}"/>
               </a:ext>
             </a:extLst>
           </p:cNvPr>
-          <p:cNvPicPr>
-            <a:picLocks noGrp="1" noChangeAspect="1"/>
-          </p:cNvPicPr>
-          <p:nvPr>
-            <p:ph sz="half" idx="1"/>
-          </p:nvPr>
-        </p:nvPicPr>
-        <p:blipFill>
-          <a:blip r:embed="rId2"/>
-          <a:stretch>
-            <a:fillRect/>
-          </a:stretch>
-        </p:blipFill>
-        <p:spPr>
-          <a:xfrm>
-            <a:off x="1000760" y="1816751"/>
-            <a:ext cx="7233232" cy="2757138"/>
-          </a:xfrm>
-          <a:prstGeom prst="rect">
-            <a:avLst/>
-          </a:prstGeom>
-        </p:spPr>
-      </p:pic>
-      <p:sp>
-        <p:nvSpPr>
-          <p:cNvPr id="6" name="Content Placeholder 5">
-            <a:extLst>
-              <a:ext uri="{FF2B5EF4-FFF2-40B4-BE49-F238E27FC236}">
-                <a16:creationId xmlns:a16="http://schemas.microsoft.com/office/drawing/2014/main" id="{95A7566A-52D0-4943-BEC7-3B1B539ED885}"/>
-              </a:ext>
-            </a:extLst>
-          </p:cNvPr>
-          <p:cNvSpPr>
-            <a:spLocks noGrp="1"/>
-          </p:cNvSpPr>
-          <p:nvPr>
-            <p:ph sz="half" idx="2"/>
-          </p:nvPr>
-        </p:nvSpPr>
-        <p:spPr>
-          <a:xfrm>
-            <a:off x="762000" y="4856478"/>
-            <a:ext cx="9911080" cy="1325563"/>
-          </a:xfrm>
-        </p:spPr>
+          <p:cNvSpPr>
+            <a:spLocks noGrp="1"/>
+          </p:cNvSpPr>
+          <p:nvPr>
+            <p:ph idx="1"/>
+          </p:nvPr>
+        </p:nvSpPr>
+        <p:spPr/>
         <p:txBody>
           <a:bodyPr>
             <a:normAutofit/>
           </a:bodyPr>
           <a:lstStyle/>
           <a:p>
+            <a:r>
+              <a:rPr lang="en-SG" sz="2000" dirty="0"/>
+              <a:t>When deciding on opening new restaurants, there are many things should be considered. Especially regarding the current locations of other restaurants. Analysing on how the restaurants are located and if there are other venues which are present near the restaurant can help the owners of the new restaurant to draw a conclusion. </a:t>
+            </a:r>
+          </a:p>
+          <a:p>
             <a:pPr marL="0" indent="0">
               <a:buNone/>
             </a:pPr>
-            <a:r>
-              <a:rPr lang="en-SG" dirty="0"/>
-              <a:t>Toronto has the highest number of venues, followed by Mississauga, Scarborough</a:t>
+            <a:endParaRPr lang="en-SG" sz="2000" dirty="0"/>
+          </a:p>
+          <a:p>
+            <a:r>
+              <a:rPr lang="en-SG" sz="2000" dirty="0"/>
+              <a:t>In this project, data from Foursquare will be leveraged to analyse and recommend the factors the new restaurant owners can consider before opening a new restaurant. Number of restaurant in the neighbourhood and other venues types near the restaurants had to be analysed before concluding</a:t>
             </a:r>
           </a:p>
         </p:txBody>
@@ -3532,7 +4103,7 @@
     </p:spTree>
     <p:extLst>
       <p:ext uri="{BB962C8B-B14F-4D97-AF65-F5344CB8AC3E}">
-        <p14:creationId xmlns:p14="http://schemas.microsoft.com/office/powerpoint/2010/main" val="937245423"/>
+        <p14:creationId xmlns:p14="http://schemas.microsoft.com/office/powerpoint/2010/main" val="1042024944"/>
       </p:ext>
     </p:extLst>
   </p:cSld>
@@ -3564,7 +4135,7 @@
           <p:cNvPr id="2" name="Title 1">
             <a:extLst>
               <a:ext uri="{FF2B5EF4-FFF2-40B4-BE49-F238E27FC236}">
-                <a16:creationId xmlns:a16="http://schemas.microsoft.com/office/drawing/2014/main" id="{9CB3C925-44EF-441D-B907-9BAC2AFF7944}"/>
+                <a16:creationId xmlns:a16="http://schemas.microsoft.com/office/drawing/2014/main" id="{5A668432-9F02-41D8-BCBB-3DE14B71949C}"/>
               </a:ext>
             </a:extLst>
           </p:cNvPr>
@@ -3582,86 +4153,94 @@
           <a:p>
             <a:r>
               <a:rPr lang="en-SG" dirty="0"/>
-              <a:t>City </a:t>
-            </a:r>
-            <a:r>
-              <a:rPr lang="en-SG" dirty="0" err="1"/>
-              <a:t>center</a:t>
-            </a:r>
-            <a:endParaRPr lang="en-SG" dirty="0"/>
-          </a:p>
-        </p:txBody>
-      </p:sp>
-      <p:pic>
-        <p:nvPicPr>
-          <p:cNvPr id="5" name="Content Placeholder 4">
+              <a:t>Data</a:t>
+            </a:r>
+          </a:p>
+        </p:txBody>
+      </p:sp>
+      <p:sp>
+        <p:nvSpPr>
+          <p:cNvPr id="3" name="Content Placeholder 2">
             <a:extLst>
               <a:ext uri="{FF2B5EF4-FFF2-40B4-BE49-F238E27FC236}">
-                <a16:creationId xmlns:a16="http://schemas.microsoft.com/office/drawing/2014/main" id="{E7957604-13ED-4440-85A1-D2A0DBA9A5C8}"/>
+                <a16:creationId xmlns:a16="http://schemas.microsoft.com/office/drawing/2014/main" id="{A07B09F1-9651-40D5-BC6C-EE52A6DC2B42}"/>
               </a:ext>
             </a:extLst>
           </p:cNvPr>
-          <p:cNvPicPr>
-            <a:picLocks noGrp="1" noChangeAspect="1"/>
-          </p:cNvPicPr>
-          <p:nvPr>
-            <p:ph sz="half" idx="1"/>
-          </p:nvPr>
-        </p:nvPicPr>
-        <p:blipFill>
-          <a:blip r:embed="rId2"/>
-          <a:stretch>
-            <a:fillRect/>
-          </a:stretch>
-        </p:blipFill>
-        <p:spPr>
-          <a:xfrm>
-            <a:off x="838201" y="2081697"/>
-            <a:ext cx="5181600" cy="3229594"/>
-          </a:xfrm>
-          <a:prstGeom prst="rect">
-            <a:avLst/>
-          </a:prstGeom>
-        </p:spPr>
-      </p:pic>
-      <p:sp>
-        <p:nvSpPr>
-          <p:cNvPr id="4" name="Content Placeholder 3">
-            <a:extLst>
-              <a:ext uri="{FF2B5EF4-FFF2-40B4-BE49-F238E27FC236}">
-                <a16:creationId xmlns:a16="http://schemas.microsoft.com/office/drawing/2014/main" id="{1EC4541A-122D-44D7-A4A2-168D8AB25690}"/>
-              </a:ext>
-            </a:extLst>
-          </p:cNvPr>
-          <p:cNvSpPr>
-            <a:spLocks noGrp="1"/>
-          </p:cNvSpPr>
-          <p:nvPr>
-            <p:ph sz="half" idx="2"/>
+          <p:cNvSpPr>
+            <a:spLocks noGrp="1"/>
+          </p:cNvSpPr>
+          <p:nvPr>
+            <p:ph idx="1"/>
           </p:nvPr>
         </p:nvSpPr>
         <p:spPr/>
         <p:txBody>
-          <a:bodyPr/>
+          <a:bodyPr>
+            <a:normAutofit fontScale="92500" lnSpcReduction="10000"/>
+          </a:bodyPr>
           <a:lstStyle/>
           <a:p>
+            <a:pPr lvl="0"/>
             <a:r>
               <a:rPr lang="en-SG" dirty="0"/>
-              <a:t>The clusters seem to be near the City </a:t>
-            </a:r>
+              <a:t>Main table</a:t>
+            </a:r>
+          </a:p>
+          <a:p>
+            <a:pPr lvl="1"/>
+            <a:r>
+              <a:rPr lang="en-SG" dirty="0"/>
+              <a:t>Data scraped from </a:t>
+            </a:r>
+            <a:r>
+              <a:rPr lang="en-SG" u="sng" dirty="0">
+                <a:hlinkClick r:id="rId2"/>
+              </a:rPr>
+              <a:t>https://en.wikipedia.org/wiki/List_of_postal_codes_of_Canada:_M</a:t>
+            </a:r>
+            <a:r>
+              <a:rPr lang="en-SG" dirty="0"/>
+              <a:t> </a:t>
+            </a:r>
+          </a:p>
+          <a:p>
+            <a:pPr lvl="1"/>
+            <a:r>
+              <a:rPr lang="en-SG" dirty="0"/>
+              <a:t>This contains the data of boroughs in Canada. After scraping the data, it was placed in a data frame so that it can be used for analysis.</a:t>
+            </a:r>
+          </a:p>
+          <a:p>
+            <a:pPr lvl="0"/>
             <a:r>
               <a:rPr lang="en-SG" dirty="0" err="1"/>
-              <a:t>center</a:t>
+              <a:t>Geopy</a:t>
+            </a:r>
+            <a:endParaRPr lang="en-SG" dirty="0"/>
+          </a:p>
+          <a:p>
+            <a:pPr lvl="1"/>
+            <a:r>
+              <a:rPr lang="en-SG" dirty="0" err="1"/>
+              <a:t>Geopy</a:t>
             </a:r>
             <a:r>
               <a:rPr lang="en-SG" dirty="0"/>
-              <a:t> rather than the suburbs</a:t>
+              <a:t> was used to extract the latitude and longitude of every neighbourhood and restaurants in the data set. This was then passed to Foursquare to extract details on venues.</a:t>
             </a:r>
           </a:p>
           <a:p>
             <a:r>
               <a:rPr lang="en-SG" dirty="0"/>
-              <a:t>This can be due to the presence of other shops and venue which attracts more customers</a:t>
+              <a:t>Foursquare </a:t>
+            </a:r>
+          </a:p>
+          <a:p>
+            <a:pPr lvl="1"/>
+            <a:r>
+              <a:rPr lang="en-SG" dirty="0"/>
+              <a:t>Foursquare is a location provider which can be leveraged to extract more details </a:t>
             </a:r>
           </a:p>
         </p:txBody>
@@ -3669,7 +4248,7 @@
     </p:spTree>
     <p:extLst>
       <p:ext uri="{BB962C8B-B14F-4D97-AF65-F5344CB8AC3E}">
-        <p14:creationId xmlns:p14="http://schemas.microsoft.com/office/powerpoint/2010/main" val="1960661242"/>
+        <p14:creationId xmlns:p14="http://schemas.microsoft.com/office/powerpoint/2010/main" val="1773577504"/>
       </p:ext>
     </p:extLst>
   </p:cSld>
@@ -3701,7 +4280,7 @@
           <p:cNvPr id="2" name="Title 1">
             <a:extLst>
               <a:ext uri="{FF2B5EF4-FFF2-40B4-BE49-F238E27FC236}">
-                <a16:creationId xmlns:a16="http://schemas.microsoft.com/office/drawing/2014/main" id="{9D2A196A-7C13-47F3-8D10-B3E3184B79E6}"/>
+                <a16:creationId xmlns:a16="http://schemas.microsoft.com/office/drawing/2014/main" id="{74DE7A82-605C-4280-91CA-F9944273F561}"/>
               </a:ext>
             </a:extLst>
           </p:cNvPr>
@@ -3719,57 +4298,25 @@
           <a:p>
             <a:r>
               <a:rPr lang="en-SG" dirty="0"/>
-              <a:t>Nearest locations</a:t>
-            </a:r>
-          </a:p>
-        </p:txBody>
-      </p:sp>
-      <p:pic>
-        <p:nvPicPr>
-          <p:cNvPr id="5" name="Content Placeholder 4">
+              <a:t>Exploratory analysis</a:t>
+            </a:r>
+          </a:p>
+        </p:txBody>
+      </p:sp>
+      <p:sp>
+        <p:nvSpPr>
+          <p:cNvPr id="3" name="Content Placeholder 2">
             <a:extLst>
               <a:ext uri="{FF2B5EF4-FFF2-40B4-BE49-F238E27FC236}">
-                <a16:creationId xmlns:a16="http://schemas.microsoft.com/office/drawing/2014/main" id="{231F0914-A04D-4DA8-BC27-ECD3B2E2F3CC}"/>
+                <a16:creationId xmlns:a16="http://schemas.microsoft.com/office/drawing/2014/main" id="{ADDEB534-6A04-4BB4-9476-69A837ECE1CC}"/>
               </a:ext>
             </a:extLst>
           </p:cNvPr>
-          <p:cNvPicPr>
-            <a:picLocks noGrp="1" noChangeAspect="1"/>
-          </p:cNvPicPr>
-          <p:nvPr>
-            <p:ph sz="half" idx="1"/>
-          </p:nvPr>
-        </p:nvPicPr>
-        <p:blipFill>
-          <a:blip r:embed="rId2"/>
-          <a:stretch>
-            <a:fillRect/>
-          </a:stretch>
-        </p:blipFill>
-        <p:spPr>
-          <a:xfrm>
-            <a:off x="838201" y="2500707"/>
-            <a:ext cx="5181600" cy="3001174"/>
-          </a:xfrm>
-          <a:prstGeom prst="rect">
-            <a:avLst/>
-          </a:prstGeom>
-        </p:spPr>
-      </p:pic>
-      <p:sp>
-        <p:nvSpPr>
-          <p:cNvPr id="4" name="Content Placeholder 3">
-            <a:extLst>
-              <a:ext uri="{FF2B5EF4-FFF2-40B4-BE49-F238E27FC236}">
-                <a16:creationId xmlns:a16="http://schemas.microsoft.com/office/drawing/2014/main" id="{FEE41D33-1F68-44EB-A425-B447A1FA9D8B}"/>
-              </a:ext>
-            </a:extLst>
-          </p:cNvPr>
-          <p:cNvSpPr>
-            <a:spLocks noGrp="1"/>
-          </p:cNvSpPr>
-          <p:nvPr>
-            <p:ph sz="half" idx="2"/>
+          <p:cNvSpPr>
+            <a:spLocks noGrp="1"/>
+          </p:cNvSpPr>
+          <p:nvPr>
+            <p:ph idx="1"/>
           </p:nvPr>
         </p:nvSpPr>
         <p:spPr/>
@@ -3777,23 +4324,14 @@
           <a:bodyPr/>
           <a:lstStyle/>
           <a:p>
-            <a:r>
-              <a:rPr lang="en-SG" dirty="0"/>
-              <a:t>High clusters seem to be near shopping malls/metros</a:t>
-            </a:r>
-          </a:p>
-          <a:p>
-            <a:r>
-              <a:rPr lang="en-SG" dirty="0"/>
-              <a:t>This can indicate the huge amount of people which may visit the location and hence visit restaurants</a:t>
-            </a:r>
+            <a:endParaRPr lang="en-SG"/>
           </a:p>
         </p:txBody>
       </p:sp>
     </p:spTree>
     <p:extLst>
       <p:ext uri="{BB962C8B-B14F-4D97-AF65-F5344CB8AC3E}">
-        <p14:creationId xmlns:p14="http://schemas.microsoft.com/office/powerpoint/2010/main" val="1629024873"/>
+        <p14:creationId xmlns:p14="http://schemas.microsoft.com/office/powerpoint/2010/main" val="847785348"/>
       </p:ext>
     </p:extLst>
   </p:cSld>
@@ -3822,10 +4360,10 @@
       </p:grpSpPr>
       <p:sp>
         <p:nvSpPr>
-          <p:cNvPr id="2" name="Title 1">
+          <p:cNvPr id="4" name="Title 3">
             <a:extLst>
               <a:ext uri="{FF2B5EF4-FFF2-40B4-BE49-F238E27FC236}">
-                <a16:creationId xmlns:a16="http://schemas.microsoft.com/office/drawing/2014/main" id="{DB0C11C4-26B5-4E82-8354-FF076A9C1AD9}"/>
+                <a16:creationId xmlns:a16="http://schemas.microsoft.com/office/drawing/2014/main" id="{010DB47A-99FA-42FE-B2FA-794575761354}"/>
               </a:ext>
             </a:extLst>
           </p:cNvPr>
@@ -3843,53 +4381,17 @@
           <a:p>
             <a:r>
               <a:rPr lang="en-SG" dirty="0"/>
-              <a:t>Other venues</a:t>
-            </a:r>
-          </a:p>
-        </p:txBody>
-      </p:sp>
-      <p:sp>
-        <p:nvSpPr>
-          <p:cNvPr id="4" name="Content Placeholder 3">
+              <a:t>Distribution of Venues</a:t>
+            </a:r>
+          </a:p>
+        </p:txBody>
+      </p:sp>
+      <p:pic>
+        <p:nvPicPr>
+          <p:cNvPr id="7" name="Content Placeholder 6">
             <a:extLst>
               <a:ext uri="{FF2B5EF4-FFF2-40B4-BE49-F238E27FC236}">
-                <a16:creationId xmlns:a16="http://schemas.microsoft.com/office/drawing/2014/main" id="{CF18DC39-06B5-461A-82FA-7C0C2CB6F66B}"/>
-              </a:ext>
-            </a:extLst>
-          </p:cNvPr>
-          <p:cNvSpPr>
-            <a:spLocks noGrp="1"/>
-          </p:cNvSpPr>
-          <p:nvPr>
-            <p:ph sz="half" idx="2"/>
-          </p:nvPr>
-        </p:nvSpPr>
-        <p:spPr>
-          <a:xfrm>
-            <a:off x="680720" y="4272120"/>
-            <a:ext cx="9951719" cy="2153603"/>
-          </a:xfrm>
-        </p:spPr>
-        <p:txBody>
-          <a:bodyPr/>
-          <a:lstStyle/>
-          <a:p>
-            <a:pPr marL="0" indent="0">
-              <a:buNone/>
-            </a:pPr>
-            <a:r>
-              <a:rPr lang="en-SG" dirty="0"/>
-              <a:t>Coffee shops, convenience store and Pizza place seem to be the most popular locations near a restaurant</a:t>
-            </a:r>
-          </a:p>
-        </p:txBody>
-      </p:sp>
-      <p:pic>
-        <p:nvPicPr>
-          <p:cNvPr id="8" name="Content Placeholder 7">
-            <a:extLst>
-              <a:ext uri="{FF2B5EF4-FFF2-40B4-BE49-F238E27FC236}">
-                <a16:creationId xmlns:a16="http://schemas.microsoft.com/office/drawing/2014/main" id="{7645978A-0747-4F36-A603-27552D660BDA}"/>
+                <a16:creationId xmlns:a16="http://schemas.microsoft.com/office/drawing/2014/main" id="{E2B48CE6-3C53-4420-9A4F-81973E814BB4}"/>
               </a:ext>
             </a:extLst>
           </p:cNvPr>
@@ -3908,18 +4410,65 @@
         </p:blipFill>
         <p:spPr>
           <a:xfrm>
-            <a:off x="836293" y="2336374"/>
-            <a:ext cx="10311568" cy="1935746"/>
+            <a:off x="1000760" y="1816751"/>
+            <a:ext cx="7233232" cy="2757138"/>
           </a:xfrm>
           <a:prstGeom prst="rect">
             <a:avLst/>
           </a:prstGeom>
         </p:spPr>
       </p:pic>
+      <p:sp>
+        <p:nvSpPr>
+          <p:cNvPr id="6" name="Content Placeholder 5">
+            <a:extLst>
+              <a:ext uri="{FF2B5EF4-FFF2-40B4-BE49-F238E27FC236}">
+                <a16:creationId xmlns:a16="http://schemas.microsoft.com/office/drawing/2014/main" id="{95A7566A-52D0-4943-BEC7-3B1B539ED885}"/>
+              </a:ext>
+            </a:extLst>
+          </p:cNvPr>
+          <p:cNvSpPr>
+            <a:spLocks noGrp="1"/>
+          </p:cNvSpPr>
+          <p:nvPr>
+            <p:ph sz="half" idx="2"/>
+          </p:nvPr>
+        </p:nvSpPr>
+        <p:spPr>
+          <a:xfrm>
+            <a:off x="762000" y="4856478"/>
+            <a:ext cx="9911080" cy="1325563"/>
+          </a:xfrm>
+        </p:spPr>
+        <p:txBody>
+          <a:bodyPr>
+            <a:normAutofit/>
+          </a:bodyPr>
+          <a:lstStyle/>
+          <a:p>
+            <a:pPr marL="0" indent="0">
+              <a:buNone/>
+            </a:pPr>
+            <a:r>
+              <a:rPr lang="en-SG" dirty="0"/>
+              <a:t>When analysing the number of venues in the boroughs of Canada, it was found that Toronto has the highest number of venues, followed by Mississauga, Scarborough.</a:t>
+            </a:r>
+          </a:p>
+          <a:p>
+            <a:pPr marL="0" indent="0">
+              <a:buNone/>
+            </a:pPr>
+            <a:r>
+              <a:rPr lang="en-SG" dirty="0"/>
+              <a:t>This helps to understand the distribution of venue in Canada</a:t>
+            </a:r>
+          </a:p>
+        </p:txBody>
+      </p:sp>
     </p:spTree>
     <p:extLst>
       <p:ext uri="{BB962C8B-B14F-4D97-AF65-F5344CB8AC3E}">
-        <p14:creationId xmlns:p14="http://schemas.microsoft.com/office/powerpoint/2010/main" val="3969323017"/>
+        <p14:creationId xmlns:p14="http://schemas.microsoft.com/office/powerpoint/2010/main" val="937245423"/>
       </p:ext>
     </p:extLst>
   </p:cSld>
@@ -3948,10 +4497,10 @@
       </p:grpSpPr>
       <p:sp>
         <p:nvSpPr>
-          <p:cNvPr id="5" name="Title 4">
+          <p:cNvPr id="2" name="Title 1">
             <a:extLst>
               <a:ext uri="{FF2B5EF4-FFF2-40B4-BE49-F238E27FC236}">
-                <a16:creationId xmlns:a16="http://schemas.microsoft.com/office/drawing/2014/main" id="{C880908D-0374-4427-ABBA-56413AA14F64}"/>
+                <a16:creationId xmlns:a16="http://schemas.microsoft.com/office/drawing/2014/main" id="{9CB3C925-44EF-441D-B907-9BAC2AFF7944}"/>
               </a:ext>
             </a:extLst>
           </p:cNvPr>
@@ -3969,29 +4518,62 @@
           <a:p>
             <a:r>
               <a:rPr lang="en-SG" dirty="0"/>
-              <a:t>Results section and Discussion</a:t>
-            </a:r>
-            <a:br>
-              <a:rPr lang="en-SG" dirty="0"/>
-            </a:br>
+              <a:t>Analysis on City </a:t>
+            </a:r>
+            <a:r>
+              <a:rPr lang="en-SG" dirty="0" err="1"/>
+              <a:t>center</a:t>
+            </a:r>
             <a:endParaRPr lang="en-SG" dirty="0"/>
           </a:p>
         </p:txBody>
       </p:sp>
-      <p:sp>
-        <p:nvSpPr>
-          <p:cNvPr id="6" name="Content Placeholder 5">
+      <p:pic>
+        <p:nvPicPr>
+          <p:cNvPr id="5" name="Content Placeholder 4">
             <a:extLst>
               <a:ext uri="{FF2B5EF4-FFF2-40B4-BE49-F238E27FC236}">
-                <a16:creationId xmlns:a16="http://schemas.microsoft.com/office/drawing/2014/main" id="{1229F1FA-11BB-4439-B58A-1F624372AE47}"/>
+                <a16:creationId xmlns:a16="http://schemas.microsoft.com/office/drawing/2014/main" id="{E7957604-13ED-4440-85A1-D2A0DBA9A5C8}"/>
               </a:ext>
             </a:extLst>
           </p:cNvPr>
-          <p:cNvSpPr>
-            <a:spLocks noGrp="1"/>
-          </p:cNvSpPr>
-          <p:nvPr>
-            <p:ph idx="1"/>
+          <p:cNvPicPr>
+            <a:picLocks noGrp="1" noChangeAspect="1"/>
+          </p:cNvPicPr>
+          <p:nvPr>
+            <p:ph sz="half" idx="1"/>
+          </p:nvPr>
+        </p:nvPicPr>
+        <p:blipFill>
+          <a:blip r:embed="rId2"/>
+          <a:stretch>
+            <a:fillRect/>
+          </a:stretch>
+        </p:blipFill>
+        <p:spPr>
+          <a:xfrm>
+            <a:off x="838201" y="2081697"/>
+            <a:ext cx="5181600" cy="3229594"/>
+          </a:xfrm>
+          <a:prstGeom prst="rect">
+            <a:avLst/>
+          </a:prstGeom>
+        </p:spPr>
+      </p:pic>
+      <p:sp>
+        <p:nvSpPr>
+          <p:cNvPr id="4" name="Content Placeholder 3">
+            <a:extLst>
+              <a:ext uri="{FF2B5EF4-FFF2-40B4-BE49-F238E27FC236}">
+                <a16:creationId xmlns:a16="http://schemas.microsoft.com/office/drawing/2014/main" id="{1EC4541A-122D-44D7-A4A2-168D8AB25690}"/>
+              </a:ext>
+            </a:extLst>
+          </p:cNvPr>
+          <p:cNvSpPr>
+            <a:spLocks noGrp="1"/>
+          </p:cNvSpPr>
+          <p:nvPr>
+            <p:ph sz="half" idx="2"/>
           </p:nvPr>
         </p:nvSpPr>
         <p:spPr/>
@@ -4001,33 +4583,21 @@
           <a:p>
             <a:r>
               <a:rPr lang="en-SG" dirty="0"/>
-              <a:t> As can be seen from the maps, restaurants tend to cluster together with other restaurants</a:t>
-            </a:r>
-          </a:p>
-          <a:p>
+              <a:t>The clusters seem to be near the City </a:t>
+            </a:r>
+            <a:r>
+              <a:rPr lang="en-SG" dirty="0" err="1"/>
+              <a:t>center</a:t>
+            </a:r>
             <a:r>
               <a:rPr lang="en-SG" dirty="0"/>
-              <a:t> Most of the restaurants seem to be located near Gas </a:t>
-            </a:r>
-            <a:r>
-              <a:rPr lang="en-SG" dirty="0" err="1"/>
-              <a:t>station,coffee</a:t>
-            </a:r>
+              <a:t> rather than the suburbs</a:t>
+            </a:r>
+          </a:p>
+          <a:p>
             <a:r>
               <a:rPr lang="en-SG" dirty="0"/>
-              <a:t> shops and other restaurants</a:t>
-            </a:r>
-          </a:p>
-          <a:p>
-            <a:r>
-              <a:rPr lang="en-SG" dirty="0"/>
-              <a:t> The clusters seem to be more near the city central rather than the outliers</a:t>
-            </a:r>
-          </a:p>
-          <a:p>
-            <a:r>
-              <a:rPr lang="en-SG" dirty="0"/>
-              <a:t> The number of restaurants seem to be higher near shopping malls</a:t>
+              <a:t>This can be due to the presence of other shops and venue which attracts more customers</a:t>
             </a:r>
           </a:p>
         </p:txBody>
@@ -4035,7 +4605,7 @@
     </p:spTree>
     <p:extLst>
       <p:ext uri="{BB962C8B-B14F-4D97-AF65-F5344CB8AC3E}">
-        <p14:creationId xmlns:p14="http://schemas.microsoft.com/office/powerpoint/2010/main" val="937074114"/>
+        <p14:creationId xmlns:p14="http://schemas.microsoft.com/office/powerpoint/2010/main" val="1960661242"/>
       </p:ext>
     </p:extLst>
   </p:cSld>
@@ -4067,7 +4637,7 @@
           <p:cNvPr id="2" name="Title 1">
             <a:extLst>
               <a:ext uri="{FF2B5EF4-FFF2-40B4-BE49-F238E27FC236}">
-                <a16:creationId xmlns:a16="http://schemas.microsoft.com/office/drawing/2014/main" id="{F878B90F-E09E-487B-AF69-46694D2A9A19}"/>
+                <a16:creationId xmlns:a16="http://schemas.microsoft.com/office/drawing/2014/main" id="{9D2A196A-7C13-47F3-8D10-B3E3184B79E6}"/>
               </a:ext>
             </a:extLst>
           </p:cNvPr>
@@ -4085,25 +4655,57 @@
           <a:p>
             <a:r>
               <a:rPr lang="en-SG" dirty="0"/>
-              <a:t>Conclusion</a:t>
-            </a:r>
-          </a:p>
-        </p:txBody>
-      </p:sp>
-      <p:sp>
-        <p:nvSpPr>
-          <p:cNvPr id="3" name="Content Placeholder 2">
+              <a:t>Nearest locations</a:t>
+            </a:r>
+          </a:p>
+        </p:txBody>
+      </p:sp>
+      <p:pic>
+        <p:nvPicPr>
+          <p:cNvPr id="5" name="Content Placeholder 4">
             <a:extLst>
               <a:ext uri="{FF2B5EF4-FFF2-40B4-BE49-F238E27FC236}">
-                <a16:creationId xmlns:a16="http://schemas.microsoft.com/office/drawing/2014/main" id="{43252269-5027-4F02-8CA3-6DD90254CCF0}"/>
+                <a16:creationId xmlns:a16="http://schemas.microsoft.com/office/drawing/2014/main" id="{231F0914-A04D-4DA8-BC27-ECD3B2E2F3CC}"/>
               </a:ext>
             </a:extLst>
           </p:cNvPr>
-          <p:cNvSpPr>
-            <a:spLocks noGrp="1"/>
-          </p:cNvSpPr>
-          <p:nvPr>
-            <p:ph idx="1"/>
+          <p:cNvPicPr>
+            <a:picLocks noGrp="1" noChangeAspect="1"/>
+          </p:cNvPicPr>
+          <p:nvPr>
+            <p:ph sz="half" idx="1"/>
+          </p:nvPr>
+        </p:nvPicPr>
+        <p:blipFill>
+          <a:blip r:embed="rId2"/>
+          <a:stretch>
+            <a:fillRect/>
+          </a:stretch>
+        </p:blipFill>
+        <p:spPr>
+          <a:xfrm>
+            <a:off x="1371600" y="2788512"/>
+            <a:ext cx="4448175" cy="2576376"/>
+          </a:xfrm>
+          <a:prstGeom prst="rect">
+            <a:avLst/>
+          </a:prstGeom>
+        </p:spPr>
+      </p:pic>
+      <p:sp>
+        <p:nvSpPr>
+          <p:cNvPr id="4" name="Content Placeholder 3">
+            <a:extLst>
+              <a:ext uri="{FF2B5EF4-FFF2-40B4-BE49-F238E27FC236}">
+                <a16:creationId xmlns:a16="http://schemas.microsoft.com/office/drawing/2014/main" id="{FEE41D33-1F68-44EB-A425-B447A1FA9D8B}"/>
+              </a:ext>
+            </a:extLst>
+          </p:cNvPr>
+          <p:cNvSpPr>
+            <a:spLocks noGrp="1"/>
+          </p:cNvSpPr>
+          <p:nvPr>
+            <p:ph sz="half" idx="2"/>
           </p:nvPr>
         </p:nvSpPr>
         <p:spPr/>
@@ -4113,13 +4715,13 @@
           <a:p>
             <a:r>
               <a:rPr lang="en-SG" dirty="0"/>
-              <a:t> When opening a new restaurant , it is recommended to open near locations such as shopping malls, Gas stations</a:t>
+              <a:t>High clusters seem to be near shopping malls/metros</a:t>
             </a:r>
           </a:p>
           <a:p>
             <a:r>
               <a:rPr lang="en-SG" dirty="0"/>
-              <a:t> As discussed in the discussion section, restaurants seem to be higher in population near city centre. So new restaurant owners can check the city centre first before considering other options</a:t>
+              <a:t>This can indicate the huge amount of people which may visit the location and hence visit restaurants</a:t>
             </a:r>
           </a:p>
         </p:txBody>
@@ -4127,7 +4729,249 @@
     </p:spTree>
     <p:extLst>
       <p:ext uri="{BB962C8B-B14F-4D97-AF65-F5344CB8AC3E}">
-        <p14:creationId xmlns:p14="http://schemas.microsoft.com/office/powerpoint/2010/main" val="3580667905"/>
+        <p14:creationId xmlns:p14="http://schemas.microsoft.com/office/powerpoint/2010/main" val="1629024873"/>
+      </p:ext>
+    </p:extLst>
+  </p:cSld>
+  <p:clrMapOvr>
+    <a:masterClrMapping/>
+  </p:clrMapOvr>
+</p:sld>
+</file>
+
+<file path=ppt/slides/slide8.xml><?xml version="1.0" encoding="utf-8"?>
+<p:sld xmlns:a="http://schemas.openxmlformats.org/drawingml/2006/main" xmlns:r="http://schemas.openxmlformats.org/officeDocument/2006/relationships" xmlns:p="http://schemas.openxmlformats.org/presentationml/2006/main">
+  <p:cSld>
+    <p:spTree>
+      <p:nvGrpSpPr>
+        <p:cNvPr id="1" name=""/>
+        <p:cNvGrpSpPr/>
+        <p:nvPr/>
+      </p:nvGrpSpPr>
+      <p:grpSpPr>
+        <a:xfrm>
+          <a:off x="0" y="0"/>
+          <a:ext cx="0" cy="0"/>
+          <a:chOff x="0" y="0"/>
+          <a:chExt cx="0" cy="0"/>
+        </a:xfrm>
+      </p:grpSpPr>
+      <p:sp>
+        <p:nvSpPr>
+          <p:cNvPr id="2" name="Title 1">
+            <a:extLst>
+              <a:ext uri="{FF2B5EF4-FFF2-40B4-BE49-F238E27FC236}">
+                <a16:creationId xmlns:a16="http://schemas.microsoft.com/office/drawing/2014/main" id="{DB0C11C4-26B5-4E82-8354-FF076A9C1AD9}"/>
+              </a:ext>
+            </a:extLst>
+          </p:cNvPr>
+          <p:cNvSpPr>
+            <a:spLocks noGrp="1"/>
+          </p:cNvSpPr>
+          <p:nvPr>
+            <p:ph type="title"/>
+          </p:nvPr>
+        </p:nvSpPr>
+        <p:spPr/>
+        <p:txBody>
+          <a:bodyPr/>
+          <a:lstStyle/>
+          <a:p>
+            <a:r>
+              <a:rPr lang="en-SG" dirty="0"/>
+              <a:t>Other venues</a:t>
+            </a:r>
+          </a:p>
+        </p:txBody>
+      </p:sp>
+      <p:pic>
+        <p:nvPicPr>
+          <p:cNvPr id="8" name="Content Placeholder 7">
+            <a:extLst>
+              <a:ext uri="{FF2B5EF4-FFF2-40B4-BE49-F238E27FC236}">
+                <a16:creationId xmlns:a16="http://schemas.microsoft.com/office/drawing/2014/main" id="{7645978A-0747-4F36-A603-27552D660BDA}"/>
+              </a:ext>
+            </a:extLst>
+          </p:cNvPr>
+          <p:cNvPicPr>
+            <a:picLocks noGrp="1" noChangeAspect="1"/>
+          </p:cNvPicPr>
+          <p:nvPr>
+            <p:ph sz="half" idx="1"/>
+          </p:nvPr>
+        </p:nvPicPr>
+        <p:blipFill>
+          <a:blip r:embed="rId2"/>
+          <a:stretch>
+            <a:fillRect/>
+          </a:stretch>
+        </p:blipFill>
+        <p:spPr>
+          <a:xfrm>
+            <a:off x="836293" y="2336374"/>
+            <a:ext cx="10311568" cy="1935746"/>
+          </a:xfrm>
+          <a:prstGeom prst="rect">
+            <a:avLst/>
+          </a:prstGeom>
+        </p:spPr>
+      </p:pic>
+      <p:sp>
+        <p:nvSpPr>
+          <p:cNvPr id="4" name="Content Placeholder 3">
+            <a:extLst>
+              <a:ext uri="{FF2B5EF4-FFF2-40B4-BE49-F238E27FC236}">
+                <a16:creationId xmlns:a16="http://schemas.microsoft.com/office/drawing/2014/main" id="{CF18DC39-06B5-461A-82FA-7C0C2CB6F66B}"/>
+              </a:ext>
+            </a:extLst>
+          </p:cNvPr>
+          <p:cNvSpPr>
+            <a:spLocks noGrp="1"/>
+          </p:cNvSpPr>
+          <p:nvPr>
+            <p:ph sz="half" idx="2"/>
+          </p:nvPr>
+        </p:nvSpPr>
+        <p:spPr>
+          <a:xfrm>
+            <a:off x="680720" y="4272120"/>
+            <a:ext cx="9951719" cy="2153603"/>
+          </a:xfrm>
+        </p:spPr>
+        <p:txBody>
+          <a:bodyPr/>
+          <a:lstStyle/>
+          <a:p>
+            <a:pPr marL="0" indent="0">
+              <a:buNone/>
+            </a:pPr>
+            <a:r>
+              <a:rPr lang="en-SG" dirty="0"/>
+              <a:t>Coffee shops, convenience store and Pizza place seem to be the most popular locations near a restaurant</a:t>
+            </a:r>
+          </a:p>
+        </p:txBody>
+      </p:sp>
+    </p:spTree>
+    <p:extLst>
+      <p:ext uri="{BB962C8B-B14F-4D97-AF65-F5344CB8AC3E}">
+        <p14:creationId xmlns:p14="http://schemas.microsoft.com/office/powerpoint/2010/main" val="3969323017"/>
+      </p:ext>
+    </p:extLst>
+  </p:cSld>
+  <p:clrMapOvr>
+    <a:masterClrMapping/>
+  </p:clrMapOvr>
+</p:sld>
+</file>
+
+<file path=ppt/slides/slide9.xml><?xml version="1.0" encoding="utf-8"?>
+<p:sld xmlns:a="http://schemas.openxmlformats.org/drawingml/2006/main" xmlns:r="http://schemas.openxmlformats.org/officeDocument/2006/relationships" xmlns:p="http://schemas.openxmlformats.org/presentationml/2006/main">
+  <p:cSld>
+    <p:spTree>
+      <p:nvGrpSpPr>
+        <p:cNvPr id="1" name=""/>
+        <p:cNvGrpSpPr/>
+        <p:nvPr/>
+      </p:nvGrpSpPr>
+      <p:grpSpPr>
+        <a:xfrm>
+          <a:off x="0" y="0"/>
+          <a:ext cx="0" cy="0"/>
+          <a:chOff x="0" y="0"/>
+          <a:chExt cx="0" cy="0"/>
+        </a:xfrm>
+      </p:grpSpPr>
+      <p:sp>
+        <p:nvSpPr>
+          <p:cNvPr id="5" name="Title 4">
+            <a:extLst>
+              <a:ext uri="{FF2B5EF4-FFF2-40B4-BE49-F238E27FC236}">
+                <a16:creationId xmlns:a16="http://schemas.microsoft.com/office/drawing/2014/main" id="{C880908D-0374-4427-ABBA-56413AA14F64}"/>
+              </a:ext>
+            </a:extLst>
+          </p:cNvPr>
+          <p:cNvSpPr>
+            <a:spLocks noGrp="1"/>
+          </p:cNvSpPr>
+          <p:nvPr>
+            <p:ph type="title"/>
+          </p:nvPr>
+        </p:nvSpPr>
+        <p:spPr/>
+        <p:txBody>
+          <a:bodyPr/>
+          <a:lstStyle/>
+          <a:p>
+            <a:r>
+              <a:rPr lang="en-SG" dirty="0"/>
+              <a:t>Results section and Discussion</a:t>
+            </a:r>
+            <a:br>
+              <a:rPr lang="en-SG" dirty="0"/>
+            </a:br>
+            <a:endParaRPr lang="en-SG" dirty="0"/>
+          </a:p>
+        </p:txBody>
+      </p:sp>
+      <p:sp>
+        <p:nvSpPr>
+          <p:cNvPr id="6" name="Content Placeholder 5">
+            <a:extLst>
+              <a:ext uri="{FF2B5EF4-FFF2-40B4-BE49-F238E27FC236}">
+                <a16:creationId xmlns:a16="http://schemas.microsoft.com/office/drawing/2014/main" id="{1229F1FA-11BB-4439-B58A-1F624372AE47}"/>
+              </a:ext>
+            </a:extLst>
+          </p:cNvPr>
+          <p:cNvSpPr>
+            <a:spLocks noGrp="1"/>
+          </p:cNvSpPr>
+          <p:nvPr>
+            <p:ph idx="1"/>
+          </p:nvPr>
+        </p:nvSpPr>
+        <p:spPr/>
+        <p:txBody>
+          <a:bodyPr/>
+          <a:lstStyle/>
+          <a:p>
+            <a:r>
+              <a:rPr lang="en-SG" dirty="0"/>
+              <a:t> As can be seen from the maps, restaurants tend to cluster together with other restaurants</a:t>
+            </a:r>
+          </a:p>
+          <a:p>
+            <a:r>
+              <a:rPr lang="en-SG" dirty="0"/>
+              <a:t> Most of the restaurants seem to be located near Gas </a:t>
+            </a:r>
+            <a:r>
+              <a:rPr lang="en-SG" dirty="0" err="1"/>
+              <a:t>station,coffee</a:t>
+            </a:r>
+            <a:r>
+              <a:rPr lang="en-SG" dirty="0"/>
+              <a:t> shops and other restaurants</a:t>
+            </a:r>
+          </a:p>
+          <a:p>
+            <a:r>
+              <a:rPr lang="en-SG" dirty="0"/>
+              <a:t> The clusters seem to be more near the city central rather than the outliers</a:t>
+            </a:r>
+          </a:p>
+          <a:p>
+            <a:r>
+              <a:rPr lang="en-SG" dirty="0"/>
+              <a:t> The number of restaurants seem to be higher near shopping malls</a:t>
+            </a:r>
+          </a:p>
+        </p:txBody>
+      </p:sp>
+    </p:spTree>
+    <p:extLst>
+      <p:ext uri="{BB962C8B-B14F-4D97-AF65-F5344CB8AC3E}">
+        <p14:creationId xmlns:p14="http://schemas.microsoft.com/office/powerpoint/2010/main" val="937074114"/>
       </p:ext>
     </p:extLst>
   </p:cSld>
@@ -4138,9 +4982,9 @@
 </file>
 
 <file path=ppt/theme/theme1.xml><?xml version="1.0" encoding="utf-8"?>
-<a:theme xmlns:a="http://schemas.openxmlformats.org/drawingml/2006/main" name="Office Theme">
+<a:theme xmlns:a="http://schemas.openxmlformats.org/drawingml/2006/main" name="Crop">
   <a:themeElements>
-    <a:clrScheme name="Office">
+    <a:clrScheme name="Crop">
       <a:dk1>
         <a:sysClr val="windowText" lastClr="000000"/>
       </a:dk1>
@@ -4148,100 +4992,48 @@
         <a:sysClr val="window" lastClr="FFFFFF"/>
       </a:lt1>
       <a:dk2>
-        <a:srgbClr val="44546A"/>
+        <a:srgbClr val="191B0E"/>
       </a:dk2>
       <a:lt2>
-        <a:srgbClr val="E7E6E6"/>
+        <a:srgbClr val="EFEDE3"/>
       </a:lt2>
       <a:accent1>
-        <a:srgbClr val="4472C4"/>
+        <a:srgbClr val="8C8D86"/>
       </a:accent1>
       <a:accent2>
-        <a:srgbClr val="ED7D31"/>
+        <a:srgbClr val="E6C069"/>
       </a:accent2>
       <a:accent3>
-        <a:srgbClr val="A5A5A5"/>
+        <a:srgbClr val="897B61"/>
       </a:accent3>
       <a:accent4>
-        <a:srgbClr val="FFC000"/>
+        <a:srgbClr val="8DAB8E"/>
       </a:accent4>
       <a:accent5>
-        <a:srgbClr val="5B9BD5"/>
+        <a:srgbClr val="77A2BB"/>
       </a:accent5>
       <a:accent6>
-        <a:srgbClr val="70AD47"/>
+        <a:srgbClr val="E28394"/>
       </a:accent6>
       <a:hlink>
-        <a:srgbClr val="0563C1"/>
+        <a:srgbClr val="77A2BB"/>
       </a:hlink>
       <a:folHlink>
-        <a:srgbClr val="954F72"/>
+        <a:srgbClr val="957A99"/>
       </a:folHlink>
     </a:clrScheme>
-    <a:fontScheme name="Office">
+    <a:fontScheme name="Crop">
       <a:majorFont>
-        <a:latin typeface="Calibri Light" panose="020F0302020204030204"/>
+        <a:latin typeface="Franklin Gothic Book" panose="020B0503020102020204"/>
         <a:ea typeface=""/>
         <a:cs typeface=""/>
-        <a:font script="Jpan" typeface="游ゴシック Light"/>
-        <a:font script="Hang" typeface="맑은 고딕"/>
-        <a:font script="Hans" typeface="等线 Light"/>
-        <a:font script="Hant" typeface="新細明體"/>
-        <a:font script="Arab" typeface="Times New Roman"/>
-        <a:font script="Hebr" typeface="Times New Roman"/>
-        <a:font script="Thai" typeface="Angsana New"/>
-        <a:font script="Ethi" typeface="Nyala"/>
-        <a:font script="Beng" typeface="Vrinda"/>
-        <a:font script="Gujr" typeface="Shruti"/>
-        <a:font script="Khmr" typeface="MoolBoran"/>
-        <a:font script="Knda" typeface="Tunga"/>
-        <a:font script="Guru" typeface="Raavi"/>
-        <a:font script="Cans" typeface="Euphemia"/>
-        <a:font script="Cher" typeface="Plantagenet Cherokee"/>
-        <a:font script="Yiii" typeface="Microsoft Yi Baiti"/>
-        <a:font script="Tibt" typeface="Microsoft Himalaya"/>
-        <a:font script="Thaa" typeface="MV Boli"/>
-        <a:font script="Deva" typeface="Mangal"/>
-        <a:font script="Telu" typeface="Gautami"/>
-        <a:font script="Taml" typeface="Latha"/>
-        <a:font script="Syrc" typeface="Estrangelo Edessa"/>
-        <a:font script="Orya" typeface="Kalinga"/>
-        <a:font script="Mlym" typeface="Kartika"/>
-        <a:font script="Laoo" typeface="DokChampa"/>
-        <a:font script="Sinh" typeface="Iskoola Pota"/>
-        <a:font script="Mong" typeface="Mongolian Baiti"/>
-        <a:font script="Viet" typeface="Times New Roman"/>
-        <a:font script="Uigh" typeface="Microsoft Uighur"/>
-        <a:font script="Geor" typeface="Sylfaen"/>
-        <a:font script="Armn" typeface="Arial"/>
-        <a:font script="Bugi" typeface="Leelawadee UI"/>
-        <a:font script="Bopo" typeface="Microsoft JhengHei"/>
-        <a:font script="Java" typeface="Javanese Text"/>
-        <a:font script="Lisu" typeface="Segoe UI"/>
-        <a:font script="Mymr" typeface="Myanmar Text"/>
-        <a:font script="Nkoo" typeface="Ebrima"/>
-        <a:font script="Olck" typeface="Nirmala UI"/>
-        <a:font script="Osma" typeface="Ebrima"/>
-        <a:font script="Phag" typeface="Phagspa"/>
-        <a:font script="Syrn" typeface="Estrangelo Edessa"/>
-        <a:font script="Syrj" typeface="Estrangelo Edessa"/>
-        <a:font script="Syre" typeface="Estrangelo Edessa"/>
-        <a:font script="Sora" typeface="Nirmala UI"/>
-        <a:font script="Tale" typeface="Microsoft Tai Le"/>
-        <a:font script="Talu" typeface="Microsoft New Tai Lue"/>
-        <a:font script="Tfng" typeface="Ebrima"/>
-      </a:majorFont>
-      <a:minorFont>
-        <a:latin typeface="Calibri" panose="020F0502020204030204"/>
-        <a:ea typeface=""/>
-        <a:cs typeface=""/>
-        <a:font script="Jpan" typeface="游ゴシック"/>
-        <a:font script="Hang" typeface="맑은 고딕"/>
-        <a:font script="Hans" typeface="等线"/>
-        <a:font script="Hant" typeface="新細明體"/>
-        <a:font script="Arab" typeface="Arial"/>
-        <a:font script="Hebr" typeface="Arial"/>
-        <a:font script="Thai" typeface="Cordia New"/>
+        <a:font script="Jpan" typeface="メイリオ"/>
+        <a:font script="Hang" typeface="돋움"/>
+        <a:font script="Hans" typeface="华文楷体"/>
+        <a:font script="Hant" typeface="微軟正黑體"/>
+        <a:font script="Arab" typeface="Tahoma"/>
+        <a:font script="Hebr" typeface="Aharoni"/>
+        <a:font script="Thai" typeface="LilyUPC"/>
         <a:font script="Ethi" typeface="Nyala"/>
         <a:font script="Beng" typeface="Vrinda"/>
         <a:font script="Gujr" typeface="Shruti"/>
@@ -4262,29 +5054,47 @@
         <a:font script="Laoo" typeface="DokChampa"/>
         <a:font script="Sinh" typeface="Iskoola Pota"/>
         <a:font script="Mong" typeface="Mongolian Baiti"/>
-        <a:font script="Viet" typeface="Arial"/>
+        <a:font script="Viet" typeface="Tahoma"/>
         <a:font script="Uigh" typeface="Microsoft Uighur"/>
         <a:font script="Geor" typeface="Sylfaen"/>
-        <a:font script="Armn" typeface="Arial"/>
-        <a:font script="Bugi" typeface="Leelawadee UI"/>
-        <a:font script="Bopo" typeface="Microsoft JhengHei"/>
-        <a:font script="Java" typeface="Javanese Text"/>
-        <a:font script="Lisu" typeface="Segoe UI"/>
-        <a:font script="Mymr" typeface="Myanmar Text"/>
-        <a:font script="Nkoo" typeface="Ebrima"/>
-        <a:font script="Olck" typeface="Nirmala UI"/>
-        <a:font script="Osma" typeface="Ebrima"/>
-        <a:font script="Phag" typeface="Phagspa"/>
-        <a:font script="Syrn" typeface="Estrangelo Edessa"/>
-        <a:font script="Syrj" typeface="Estrangelo Edessa"/>
-        <a:font script="Syre" typeface="Estrangelo Edessa"/>
-        <a:font script="Sora" typeface="Nirmala UI"/>
-        <a:font script="Tale" typeface="Microsoft Tai Le"/>
-        <a:font script="Talu" typeface="Microsoft New Tai Lue"/>
-        <a:font script="Tfng" typeface="Ebrima"/>
+      </a:majorFont>
+      <a:minorFont>
+        <a:latin typeface="Franklin Gothic Book" panose="020B0503020102020204"/>
+        <a:ea typeface=""/>
+        <a:cs typeface=""/>
+        <a:font script="Jpan" typeface="メイリオ"/>
+        <a:font script="Hang" typeface="돋움"/>
+        <a:font script="Hans" typeface="华文楷体"/>
+        <a:font script="Hant" typeface="微軟正黑體"/>
+        <a:font script="Arab" typeface="Tahoma"/>
+        <a:font script="Hebr" typeface="Aharoni"/>
+        <a:font script="Thai" typeface="LilyUPC"/>
+        <a:font script="Ethi" typeface="Nyala"/>
+        <a:font script="Beng" typeface="Vrinda"/>
+        <a:font script="Gujr" typeface="Shruti"/>
+        <a:font script="Khmr" typeface="DaunPenh"/>
+        <a:font script="Knda" typeface="Tunga"/>
+        <a:font script="Guru" typeface="Raavi"/>
+        <a:font script="Cans" typeface="Euphemia"/>
+        <a:font script="Cher" typeface="Plantagenet Cherokee"/>
+        <a:font script="Yiii" typeface="Microsoft Yi Baiti"/>
+        <a:font script="Tibt" typeface="Microsoft Himalaya"/>
+        <a:font script="Thaa" typeface="MV Boli"/>
+        <a:font script="Deva" typeface="Mangal"/>
+        <a:font script="Telu" typeface="Gautami"/>
+        <a:font script="Taml" typeface="Latha"/>
+        <a:font script="Syrc" typeface="Estrangelo Edessa"/>
+        <a:font script="Orya" typeface="Kalinga"/>
+        <a:font script="Mlym" typeface="Kartika"/>
+        <a:font script="Laoo" typeface="DokChampa"/>
+        <a:font script="Sinh" typeface="Iskoola Pota"/>
+        <a:font script="Mong" typeface="Mongolian Baiti"/>
+        <a:font script="Viet" typeface="Tahoma"/>
+        <a:font script="Uigh" typeface="Microsoft Uighur"/>
+        <a:font script="Geor" typeface="Sylfaen"/>
       </a:minorFont>
     </a:fontScheme>
-    <a:fmtScheme name="Office">
+    <a:fmtScheme name="Crop">
       <a:fillStyleLst>
         <a:solidFill>
           <a:schemeClr val="phClr"/>
@@ -4293,23 +5103,23 @@
           <a:gsLst>
             <a:gs pos="0">
               <a:schemeClr val="phClr">
+                <a:tint val="67000"/>
+                <a:satMod val="105000"/>
                 <a:lumMod val="110000"/>
-                <a:satMod val="105000"/>
-                <a:tint val="67000"/>
               </a:schemeClr>
             </a:gs>
             <a:gs pos="50000">
               <a:schemeClr val="phClr">
+                <a:tint val="73000"/>
+                <a:satMod val="103000"/>
                 <a:lumMod val="105000"/>
-                <a:satMod val="103000"/>
-                <a:tint val="73000"/>
               </a:schemeClr>
             </a:gs>
             <a:gs pos="100000">
               <a:schemeClr val="phClr">
+                <a:tint val="81000"/>
+                <a:satMod val="109000"/>
                 <a:lumMod val="105000"/>
-                <a:satMod val="109000"/>
-                <a:tint val="81000"/>
               </a:schemeClr>
             </a:gs>
           </a:gsLst>
@@ -4319,23 +5129,23 @@
           <a:gsLst>
             <a:gs pos="0">
               <a:schemeClr val="phClr">
+                <a:tint val="94000"/>
                 <a:satMod val="103000"/>
                 <a:lumMod val="102000"/>
-                <a:tint val="94000"/>
               </a:schemeClr>
             </a:gs>
             <a:gs pos="50000">
               <a:schemeClr val="phClr">
+                <a:shade val="100000"/>
                 <a:satMod val="110000"/>
                 <a:lumMod val="100000"/>
-                <a:shade val="100000"/>
               </a:schemeClr>
             </a:gs>
             <a:gs pos="100000">
               <a:schemeClr val="phClr">
+                <a:shade val="78000"/>
+                <a:satMod val="120000"/>
                 <a:lumMod val="99000"/>
-                <a:satMod val="120000"/>
-                <a:shade val="78000"/>
               </a:schemeClr>
             </a:gs>
           </a:gsLst>
@@ -4343,26 +5153,23 @@
         </a:gradFill>
       </a:fillStyleLst>
       <a:lnStyleLst>
-        <a:ln w="6350" cap="flat" cmpd="sng" algn="ctr">
+        <a:ln w="6350" cap="flat" cmpd="sng" algn="in">
           <a:solidFill>
             <a:schemeClr val="phClr"/>
           </a:solidFill>
           <a:prstDash val="solid"/>
-          <a:miter lim="800000"/>
         </a:ln>
-        <a:ln w="12700" cap="flat" cmpd="sng" algn="ctr">
+        <a:ln w="34925" cap="flat" cmpd="sng" algn="in">
           <a:solidFill>
             <a:schemeClr val="phClr"/>
           </a:solidFill>
           <a:prstDash val="solid"/>
-          <a:miter lim="800000"/>
         </a:ln>
-        <a:ln w="19050" cap="flat" cmpd="sng" algn="ctr">
+        <a:ln w="19050" cap="flat" cmpd="sng" algn="in">
           <a:solidFill>
             <a:schemeClr val="phClr"/>
           </a:solidFill>
           <a:prstDash val="solid"/>
-          <a:miter lim="800000"/>
         </a:ln>
       </a:lnStyleLst>
       <a:effectStyleLst>
@@ -4376,7 +5183,7 @@
           <a:effectLst>
             <a:outerShdw blurRad="57150" dist="19050" dir="5400000" algn="ctr" rotWithShape="0">
               <a:srgbClr val="000000">
-                <a:alpha val="63000"/>
+                <a:alpha val="35000"/>
               </a:srgbClr>
             </a:outerShdw>
           </a:effectLst>
@@ -4397,16 +5204,16 @@
             <a:gs pos="0">
               <a:schemeClr val="phClr">
                 <a:tint val="93000"/>
+                <a:shade val="98000"/>
                 <a:satMod val="150000"/>
-                <a:shade val="98000"/>
                 <a:lumMod val="102000"/>
               </a:schemeClr>
             </a:gs>
             <a:gs pos="50000">
               <a:schemeClr val="phClr">
                 <a:tint val="98000"/>
+                <a:shade val="90000"/>
                 <a:satMod val="130000"/>
-                <a:shade val="90000"/>
                 <a:lumMod val="103000"/>
               </a:schemeClr>
             </a:gs>
@@ -4426,7 +5233,7 @@
   <a:extraClrSchemeLst/>
   <a:extLst>
     <a:ext uri="{05A4C25C-085E-4340-85A3-A5531E510DB2}">
-      <thm15:themeFamily xmlns:thm15="http://schemas.microsoft.com/office/thememl/2012/main" name="Office Theme" id="{62F939B6-93AF-4DB8-9C6B-D6C7DFDC589F}" vid="{4A3C46E8-61CC-4603-A589-7422A47A8E4A}"/>
+      <thm15:themeFamily xmlns:thm15="http://schemas.microsoft.com/office/thememl/2012/main" name="Crop" id="{EC9488ED-E761-4D60-9AC4-764D1FE2C171}" vid="{CE19780C-D67D-4C13-9DE9-A52BC3BA51B4}"/>
     </a:ext>
   </a:extLst>
 </a:theme>
